--- a/프레젠테이션1.pptx
+++ b/프레젠테이션1.pptx
@@ -9,8 +9,9 @@
     <p:sldId id="257" r:id="rId3"/>
     <p:sldId id="261" r:id="rId4"/>
     <p:sldId id="260" r:id="rId5"/>
-    <p:sldId id="258" r:id="rId6"/>
-    <p:sldId id="259" r:id="rId7"/>
+    <p:sldId id="262" r:id="rId6"/>
+    <p:sldId id="258" r:id="rId7"/>
+    <p:sldId id="259" r:id="rId8"/>
   </p:sldIdLst>
   <p:sldSz cx="12192000" cy="6858000"/>
   <p:notesSz cx="6858000" cy="9144000"/>
@@ -264,7 +265,7 @@
           <a:p>
             <a:fld id="{835BB635-9579-4DBC-975B-DE9B72D2F9EE}" type="datetimeFigureOut">
               <a:rPr lang="ko-KR" altLang="en-US" smtClean="0"/>
-              <a:t>2022-11-16</a:t>
+              <a:t>2022-12-13</a:t>
             </a:fld>
             <a:endParaRPr lang="ko-KR" altLang="en-US"/>
           </a:p>
@@ -462,7 +463,7 @@
           <a:p>
             <a:fld id="{835BB635-9579-4DBC-975B-DE9B72D2F9EE}" type="datetimeFigureOut">
               <a:rPr lang="ko-KR" altLang="en-US" smtClean="0"/>
-              <a:t>2022-11-16</a:t>
+              <a:t>2022-12-13</a:t>
             </a:fld>
             <a:endParaRPr lang="ko-KR" altLang="en-US"/>
           </a:p>
@@ -670,7 +671,7 @@
           <a:p>
             <a:fld id="{835BB635-9579-4DBC-975B-DE9B72D2F9EE}" type="datetimeFigureOut">
               <a:rPr lang="ko-KR" altLang="en-US" smtClean="0"/>
-              <a:t>2022-11-16</a:t>
+              <a:t>2022-12-13</a:t>
             </a:fld>
             <a:endParaRPr lang="ko-KR" altLang="en-US"/>
           </a:p>
@@ -868,7 +869,7 @@
           <a:p>
             <a:fld id="{835BB635-9579-4DBC-975B-DE9B72D2F9EE}" type="datetimeFigureOut">
               <a:rPr lang="ko-KR" altLang="en-US" smtClean="0"/>
-              <a:t>2022-11-16</a:t>
+              <a:t>2022-12-13</a:t>
             </a:fld>
             <a:endParaRPr lang="ko-KR" altLang="en-US"/>
           </a:p>
@@ -1143,7 +1144,7 @@
           <a:p>
             <a:fld id="{835BB635-9579-4DBC-975B-DE9B72D2F9EE}" type="datetimeFigureOut">
               <a:rPr lang="ko-KR" altLang="en-US" smtClean="0"/>
-              <a:t>2022-11-16</a:t>
+              <a:t>2022-12-13</a:t>
             </a:fld>
             <a:endParaRPr lang="ko-KR" altLang="en-US"/>
           </a:p>
@@ -1408,7 +1409,7 @@
           <a:p>
             <a:fld id="{835BB635-9579-4DBC-975B-DE9B72D2F9EE}" type="datetimeFigureOut">
               <a:rPr lang="ko-KR" altLang="en-US" smtClean="0"/>
-              <a:t>2022-11-16</a:t>
+              <a:t>2022-12-13</a:t>
             </a:fld>
             <a:endParaRPr lang="ko-KR" altLang="en-US"/>
           </a:p>
@@ -1820,7 +1821,7 @@
           <a:p>
             <a:fld id="{835BB635-9579-4DBC-975B-DE9B72D2F9EE}" type="datetimeFigureOut">
               <a:rPr lang="ko-KR" altLang="en-US" smtClean="0"/>
-              <a:t>2022-11-16</a:t>
+              <a:t>2022-12-13</a:t>
             </a:fld>
             <a:endParaRPr lang="ko-KR" altLang="en-US"/>
           </a:p>
@@ -1961,7 +1962,7 @@
           <a:p>
             <a:fld id="{835BB635-9579-4DBC-975B-DE9B72D2F9EE}" type="datetimeFigureOut">
               <a:rPr lang="ko-KR" altLang="en-US" smtClean="0"/>
-              <a:t>2022-11-16</a:t>
+              <a:t>2022-12-13</a:t>
             </a:fld>
             <a:endParaRPr lang="ko-KR" altLang="en-US"/>
           </a:p>
@@ -2074,7 +2075,7 @@
           <a:p>
             <a:fld id="{835BB635-9579-4DBC-975B-DE9B72D2F9EE}" type="datetimeFigureOut">
               <a:rPr lang="ko-KR" altLang="en-US" smtClean="0"/>
-              <a:t>2022-11-16</a:t>
+              <a:t>2022-12-13</a:t>
             </a:fld>
             <a:endParaRPr lang="ko-KR" altLang="en-US"/>
           </a:p>
@@ -2385,7 +2386,7 @@
           <a:p>
             <a:fld id="{835BB635-9579-4DBC-975B-DE9B72D2F9EE}" type="datetimeFigureOut">
               <a:rPr lang="ko-KR" altLang="en-US" smtClean="0"/>
-              <a:t>2022-11-16</a:t>
+              <a:t>2022-12-13</a:t>
             </a:fld>
             <a:endParaRPr lang="ko-KR" altLang="en-US"/>
           </a:p>
@@ -2673,7 +2674,7 @@
           <a:p>
             <a:fld id="{835BB635-9579-4DBC-975B-DE9B72D2F9EE}" type="datetimeFigureOut">
               <a:rPr lang="ko-KR" altLang="en-US" smtClean="0"/>
-              <a:t>2022-11-16</a:t>
+              <a:t>2022-12-13</a:t>
             </a:fld>
             <a:endParaRPr lang="ko-KR" altLang="en-US"/>
           </a:p>
@@ -2914,7 +2915,7 @@
           <a:p>
             <a:fld id="{835BB635-9579-4DBC-975B-DE9B72D2F9EE}" type="datetimeFigureOut">
               <a:rPr lang="ko-KR" altLang="en-US" smtClean="0"/>
-              <a:t>2022-11-16</a:t>
+              <a:t>2022-12-13</a:t>
             </a:fld>
             <a:endParaRPr lang="ko-KR" altLang="en-US"/>
           </a:p>
@@ -4511,10 +4512,10 @@
       </p:sp>
       <p:sp>
         <p:nvSpPr>
-          <p:cNvPr id="6" name="직사각형 5">
-            <a:extLst>
-              <a:ext uri="{FF2B5EF4-FFF2-40B4-BE49-F238E27FC236}">
-                <a16:creationId xmlns:a16="http://schemas.microsoft.com/office/drawing/2014/main" id="{421DF68F-3A53-D923-00ED-1FE510031295}"/>
+          <p:cNvPr id="12" name="직사각형 11">
+            <a:extLst>
+              <a:ext uri="{FF2B5EF4-FFF2-40B4-BE49-F238E27FC236}">
+                <a16:creationId xmlns:a16="http://schemas.microsoft.com/office/drawing/2014/main" id="{00435AE5-4C91-8E46-E652-BAEF63AE3D8C}"/>
               </a:ext>
             </a:extLst>
           </p:cNvPr>
@@ -4523,8 +4524,8 @@
         </p:nvSpPr>
         <p:spPr>
           <a:xfrm>
-            <a:off x="4532669" y="782002"/>
-            <a:ext cx="2166767" cy="668739"/>
+            <a:off x="4514448" y="827100"/>
+            <a:ext cx="2184988" cy="1616220"/>
           </a:xfrm>
           <a:prstGeom prst="rect">
             <a:avLst/>
@@ -4567,7 +4568,7 @@
                   <a:schemeClr val="tx1"/>
                 </a:solidFill>
               </a:rPr>
-              <a:t>Main Thread</a:t>
+              <a:t>Matching Thread</a:t>
             </a:r>
             <a:endParaRPr lang="ko-KR" altLang="en-US" sz="1400" dirty="0">
               <a:solidFill>
@@ -4579,10 +4580,10 @@
       </p:sp>
       <p:sp>
         <p:nvSpPr>
-          <p:cNvPr id="12" name="직사각형 11">
-            <a:extLst>
-              <a:ext uri="{FF2B5EF4-FFF2-40B4-BE49-F238E27FC236}">
-                <a16:creationId xmlns:a16="http://schemas.microsoft.com/office/drawing/2014/main" id="{00435AE5-4C91-8E46-E652-BAEF63AE3D8C}"/>
+          <p:cNvPr id="13" name="직사각형 12">
+            <a:extLst>
+              <a:ext uri="{FF2B5EF4-FFF2-40B4-BE49-F238E27FC236}">
+                <a16:creationId xmlns:a16="http://schemas.microsoft.com/office/drawing/2014/main" id="{FEF2ABDB-2BC2-7EA6-54E3-09F58E2CCD4F}"/>
               </a:ext>
             </a:extLst>
           </p:cNvPr>
@@ -4591,8 +4592,8 @@
         </p:nvSpPr>
         <p:spPr>
           <a:xfrm>
-            <a:off x="4532668" y="1774580"/>
-            <a:ext cx="2166767" cy="668739"/>
+            <a:off x="3810756" y="3434571"/>
+            <a:ext cx="1650019" cy="549196"/>
           </a:xfrm>
           <a:prstGeom prst="rect">
             <a:avLst/>
@@ -4630,80 +4631,12 @@
           <a:p>
             <a:pPr algn="ctr"/>
             <a:r>
-              <a:rPr lang="en-US" altLang="ko-KR" sz="1400" dirty="0">
-                <a:solidFill>
-                  <a:schemeClr val="tx1"/>
-                </a:solidFill>
-              </a:rPr>
-              <a:t>Matching Thread</a:t>
-            </a:r>
-            <a:endParaRPr lang="ko-KR" altLang="en-US" sz="1400" dirty="0">
-              <a:solidFill>
-                <a:schemeClr val="tx1"/>
-              </a:solidFill>
-            </a:endParaRPr>
-          </a:p>
-        </p:txBody>
-      </p:sp>
-      <p:sp>
-        <p:nvSpPr>
-          <p:cNvPr id="13" name="직사각형 12">
-            <a:extLst>
-              <a:ext uri="{FF2B5EF4-FFF2-40B4-BE49-F238E27FC236}">
-                <a16:creationId xmlns:a16="http://schemas.microsoft.com/office/drawing/2014/main" id="{FEF2ABDB-2BC2-7EA6-54E3-09F58E2CCD4F}"/>
-              </a:ext>
-            </a:extLst>
-          </p:cNvPr>
-          <p:cNvSpPr/>
-          <p:nvPr/>
-        </p:nvSpPr>
-        <p:spPr>
-          <a:xfrm>
-            <a:off x="3810756" y="3434571"/>
-            <a:ext cx="1650019" cy="549196"/>
-          </a:xfrm>
-          <a:prstGeom prst="rect">
-            <a:avLst/>
-          </a:prstGeom>
-          <a:solidFill>
-            <a:schemeClr val="bg1">
-              <a:lumMod val="95000"/>
-            </a:schemeClr>
-          </a:solidFill>
-          <a:ln>
-            <a:solidFill>
-              <a:schemeClr val="tx1"/>
-            </a:solidFill>
-          </a:ln>
-        </p:spPr>
-        <p:style>
-          <a:lnRef idx="2">
-            <a:schemeClr val="accent1">
-              <a:shade val="50000"/>
-            </a:schemeClr>
-          </a:lnRef>
-          <a:fillRef idx="1">
-            <a:schemeClr val="accent1"/>
-          </a:fillRef>
-          <a:effectRef idx="0">
-            <a:schemeClr val="accent1"/>
-          </a:effectRef>
-          <a:fontRef idx="minor">
-            <a:schemeClr val="lt1"/>
-          </a:fontRef>
-        </p:style>
-        <p:txBody>
-          <a:bodyPr rtlCol="0" anchor="ctr"/>
-          <a:lstStyle/>
-          <a:p>
-            <a:pPr algn="ctr"/>
-            <a:r>
               <a:rPr lang="en-US" altLang="ko-KR" sz="1200" dirty="0">
                 <a:solidFill>
                   <a:schemeClr val="tx1"/>
                 </a:solidFill>
               </a:rPr>
-              <a:t>Message Thread(</a:t>
+              <a:t>Process Thread(</a:t>
             </a:r>
             <a:r>
               <a:rPr lang="en-US" altLang="ko-KR" sz="1200" dirty="0" err="1">
@@ -4729,47 +4662,6 @@
           </a:p>
         </p:txBody>
       </p:sp>
-      <p:cxnSp>
-        <p:nvCxnSpPr>
-          <p:cNvPr id="22" name="직선 화살표 연결선 21">
-            <a:extLst>
-              <a:ext uri="{FF2B5EF4-FFF2-40B4-BE49-F238E27FC236}">
-                <a16:creationId xmlns:a16="http://schemas.microsoft.com/office/drawing/2014/main" id="{FCC0165F-6CE2-965F-07D3-9B6F96704E3E}"/>
-              </a:ext>
-            </a:extLst>
-          </p:cNvPr>
-          <p:cNvCxnSpPr>
-            <a:stCxn id="6" idx="2"/>
-          </p:cNvCxnSpPr>
-          <p:nvPr/>
-        </p:nvCxnSpPr>
-        <p:spPr>
-          <a:xfrm flipH="1">
-            <a:off x="5616050" y="1450741"/>
-            <a:ext cx="3" cy="323839"/>
-          </a:xfrm>
-          <a:prstGeom prst="straightConnector1">
-            <a:avLst/>
-          </a:prstGeom>
-          <a:ln>
-            <a:tailEnd type="triangle"/>
-          </a:ln>
-        </p:spPr>
-        <p:style>
-          <a:lnRef idx="1">
-            <a:schemeClr val="dk1"/>
-          </a:lnRef>
-          <a:fillRef idx="0">
-            <a:schemeClr val="dk1"/>
-          </a:fillRef>
-          <a:effectRef idx="0">
-            <a:schemeClr val="dk1"/>
-          </a:effectRef>
-          <a:fontRef idx="minor">
-            <a:schemeClr val="tx1"/>
-          </a:fontRef>
-        </p:style>
-      </p:cxnSp>
       <p:sp>
         <p:nvSpPr>
           <p:cNvPr id="23" name="사각형: 둥근 모서리 22">
@@ -4784,8 +4676,8 @@
         </p:nvSpPr>
         <p:spPr>
           <a:xfrm>
-            <a:off x="2017063" y="530698"/>
-            <a:ext cx="1086036" cy="6130974"/>
+            <a:off x="1654168" y="530698"/>
+            <a:ext cx="1448931" cy="6130974"/>
           </a:xfrm>
           <a:prstGeom prst="roundRect">
             <a:avLst/>
@@ -4823,14 +4715,6 @@
           <a:lstStyle/>
           <a:p>
             <a:pPr algn="ctr"/>
-            <a:r>
-              <a:rPr lang="ko-KR" altLang="en-US" sz="1200" b="1" dirty="0">
-                <a:solidFill>
-                  <a:schemeClr val="tx1"/>
-                </a:solidFill>
-              </a:rPr>
-              <a:t>클라이언트</a:t>
-            </a:r>
             <a:endParaRPr lang="ko-KR" altLang="en-US" sz="1200" b="1" dirty="0"/>
           </a:p>
         </p:txBody>
@@ -4850,7 +4734,7 @@
         <p:spPr>
           <a:xfrm>
             <a:off x="8123699" y="530698"/>
-            <a:ext cx="1086036" cy="6130974"/>
+            <a:ext cx="1295512" cy="6130974"/>
           </a:xfrm>
           <a:prstGeom prst="roundRect">
             <a:avLst/>
@@ -4888,14 +4772,11 @@
           <a:lstStyle/>
           <a:p>
             <a:pPr algn="ctr"/>
-            <a:r>
-              <a:rPr lang="ko-KR" altLang="en-US" sz="1200" b="1" dirty="0">
-                <a:solidFill>
-                  <a:schemeClr val="tx1"/>
-                </a:solidFill>
-              </a:rPr>
-              <a:t>클라이언트</a:t>
-            </a:r>
+            <a:endParaRPr lang="ko-KR" altLang="en-US" sz="1200" b="1" dirty="0">
+              <a:solidFill>
+                <a:schemeClr val="tx1"/>
+              </a:solidFill>
+            </a:endParaRPr>
           </a:p>
         </p:txBody>
       </p:sp>
@@ -4916,8 +4797,8 @@
         </p:nvCxnSpPr>
         <p:spPr>
           <a:xfrm>
-            <a:off x="3103099" y="3709169"/>
-            <a:ext cx="707657" cy="0"/>
+            <a:off x="2851899" y="3709169"/>
+            <a:ext cx="958857" cy="0"/>
           </a:xfrm>
           <a:prstGeom prst="straightConnector1">
             <a:avLst/>
@@ -4958,7 +4839,7 @@
         <p:spPr>
           <a:xfrm flipH="1">
             <a:off x="7433673" y="3709169"/>
-            <a:ext cx="690026" cy="0"/>
+            <a:ext cx="895299" cy="0"/>
           </a:xfrm>
           <a:prstGeom prst="straightConnector1">
             <a:avLst/>
@@ -5044,8 +4925,8 @@
         </p:nvCxnSpPr>
         <p:spPr>
           <a:xfrm flipV="1">
-            <a:off x="3103099" y="1104098"/>
-            <a:ext cx="1429569" cy="12273"/>
+            <a:off x="2851899" y="1104098"/>
+            <a:ext cx="1680769" cy="2008"/>
           </a:xfrm>
           <a:prstGeom prst="straightConnector1">
             <a:avLst/>
@@ -5086,7 +4967,7 @@
         <p:spPr>
           <a:xfrm flipH="1" flipV="1">
             <a:off x="6699435" y="1104098"/>
-            <a:ext cx="1424264" cy="12273"/>
+            <a:ext cx="1629537" cy="11384"/>
           </a:xfrm>
           <a:prstGeom prst="straightConnector1">
             <a:avLst/>
@@ -5121,14 +5002,13 @@
           </p:cNvPr>
           <p:cNvCxnSpPr>
             <a:cxnSpLocks/>
-            <a:stCxn id="12" idx="1"/>
           </p:cNvCxnSpPr>
           <p:nvPr/>
         </p:nvCxnSpPr>
         <p:spPr>
-          <a:xfrm flipH="1" flipV="1">
-            <a:off x="3119980" y="2105500"/>
-            <a:ext cx="1412688" cy="3450"/>
+          <a:xfrm flipH="1">
+            <a:off x="2835018" y="2105500"/>
+            <a:ext cx="1679430" cy="3449"/>
           </a:xfrm>
           <a:prstGeom prst="straightConnector1">
             <a:avLst/>
@@ -5169,7 +5049,7 @@
         <p:spPr>
           <a:xfrm>
             <a:off x="6699435" y="2108949"/>
-            <a:ext cx="1407383" cy="0"/>
+            <a:ext cx="1629537" cy="0"/>
           </a:xfrm>
           <a:prstGeom prst="straightConnector1">
             <a:avLst/>
@@ -5251,7 +5131,7 @@
                   <a:schemeClr val="tx1"/>
                 </a:solidFill>
               </a:rPr>
-              <a:t>Message Thread(</a:t>
+              <a:t>Process Thread(</a:t>
             </a:r>
             <a:r>
               <a:rPr lang="en-US" altLang="ko-KR" sz="1200" dirty="0" err="1">
@@ -5337,6 +5217,17 @@
               </a:rPr>
               <a:t>Game Thread</a:t>
             </a:r>
+          </a:p>
+          <a:p>
+            <a:pPr algn="ctr"/>
+            <a:r>
+              <a:rPr lang="en-US" altLang="ko-KR" sz="1200" dirty="0">
+                <a:solidFill>
+                  <a:schemeClr val="tx1"/>
+                </a:solidFill>
+              </a:rPr>
+              <a:t>Update()</a:t>
+            </a:r>
             <a:endParaRPr lang="ko-KR" altLang="en-US" sz="1200" dirty="0">
               <a:solidFill>
                 <a:schemeClr val="tx1"/>
@@ -5530,7 +5421,7 @@
                   <a:schemeClr val="tx1"/>
                 </a:solidFill>
               </a:rPr>
-              <a:t>Message Thread(Send)</a:t>
+              <a:t>Process Thread(Send)</a:t>
             </a:r>
             <a:endParaRPr lang="ko-KR" altLang="en-US" sz="1200" dirty="0">
               <a:solidFill>
@@ -5598,7 +5489,7 @@
                   <a:schemeClr val="tx1"/>
                 </a:solidFill>
               </a:rPr>
-              <a:t>Message Thread(Send)</a:t>
+              <a:t>Process Thread(Send)</a:t>
             </a:r>
             <a:endParaRPr lang="ko-KR" altLang="en-US" sz="1200" dirty="0">
               <a:solidFill>
@@ -5709,8 +5600,8 @@
         </p:nvCxnSpPr>
         <p:spPr>
           <a:xfrm flipH="1" flipV="1">
-            <a:off x="3103099" y="5858584"/>
-            <a:ext cx="665809" cy="2633"/>
+            <a:off x="2843258" y="5858584"/>
+            <a:ext cx="925650" cy="2633"/>
           </a:xfrm>
           <a:prstGeom prst="straightConnector1">
             <a:avLst/>
@@ -5751,7 +5642,7 @@
         <p:spPr>
           <a:xfrm>
             <a:off x="7450599" y="5858584"/>
-            <a:ext cx="656219" cy="0"/>
+            <a:ext cx="865426" cy="0"/>
           </a:xfrm>
           <a:prstGeom prst="straightConnector1">
             <a:avLst/>
@@ -6065,7 +5956,7 @@
         </p:nvSpPr>
         <p:spPr>
           <a:xfrm>
-            <a:off x="7464445" y="3693527"/>
+            <a:off x="5782266" y="2738063"/>
             <a:ext cx="338554" cy="276999"/>
           </a:xfrm>
           <a:prstGeom prst="rect">
@@ -6108,7 +5999,7 @@
         <p:spPr>
           <a:xfrm>
             <a:off x="3456441" y="3712720"/>
-            <a:ext cx="338554" cy="276999"/>
+            <a:ext cx="184731" cy="276999"/>
           </a:xfrm>
           <a:prstGeom prst="rect">
             <a:avLst/>
@@ -6121,26 +6012,16 @@
           </a:bodyPr>
           <a:lstStyle/>
           <a:p>
-            <a:r>
-              <a:rPr lang="ko-KR" altLang="en-US" sz="1200" b="0" i="0" dirty="0">
-                <a:solidFill>
-                  <a:srgbClr val="333333"/>
-                </a:solidFill>
-                <a:effectLst/>
-                <a:latin typeface="Noto Sans KR"/>
-              </a:rPr>
-              <a:t>③</a:t>
-            </a:r>
             <a:endParaRPr lang="ko-KR" altLang="en-US" sz="1200" b="1" dirty="0"/>
           </a:p>
         </p:txBody>
       </p:sp>
       <p:sp>
         <p:nvSpPr>
-          <p:cNvPr id="85" name="TextBox 84">
-            <a:extLst>
-              <a:ext uri="{FF2B5EF4-FFF2-40B4-BE49-F238E27FC236}">
-                <a16:creationId xmlns:a16="http://schemas.microsoft.com/office/drawing/2014/main" id="{CFFA7804-F9C4-C2F6-7CC6-D955C3FFFAC1}"/>
+          <p:cNvPr id="86" name="TextBox 85">
+            <a:extLst>
+              <a:ext uri="{FF2B5EF4-FFF2-40B4-BE49-F238E27FC236}">
+                <a16:creationId xmlns:a16="http://schemas.microsoft.com/office/drawing/2014/main" id="{9087AEA2-F642-B522-9DBF-60ECB146F6AD}"/>
               </a:ext>
             </a:extLst>
           </p:cNvPr>
@@ -6149,7 +6030,7 @@
         </p:nvSpPr>
         <p:spPr>
           <a:xfrm>
-            <a:off x="6126200" y="4141743"/>
+            <a:off x="3121367" y="3683752"/>
             <a:ext cx="338554" cy="276999"/>
           </a:xfrm>
           <a:prstGeom prst="rect">
@@ -6179,10 +6060,10 @@
       </p:sp>
       <p:sp>
         <p:nvSpPr>
-          <p:cNvPr id="86" name="TextBox 85">
-            <a:extLst>
-              <a:ext uri="{FF2B5EF4-FFF2-40B4-BE49-F238E27FC236}">
-                <a16:creationId xmlns:a16="http://schemas.microsoft.com/office/drawing/2014/main" id="{9087AEA2-F642-B522-9DBF-60ECB146F6AD}"/>
+          <p:cNvPr id="88" name="TextBox 87">
+            <a:extLst>
+              <a:ext uri="{FF2B5EF4-FFF2-40B4-BE49-F238E27FC236}">
+                <a16:creationId xmlns:a16="http://schemas.microsoft.com/office/drawing/2014/main" id="{4C4ED3CF-F0D2-1197-917F-F220551D5685}"/>
               </a:ext>
             </a:extLst>
           </p:cNvPr>
@@ -6191,8 +6072,8 @@
         </p:nvSpPr>
         <p:spPr>
           <a:xfrm>
-            <a:off x="4801136" y="4147772"/>
-            <a:ext cx="338554" cy="276999"/>
+            <a:off x="6280224" y="4140428"/>
+            <a:ext cx="707657" cy="276999"/>
           </a:xfrm>
           <a:prstGeom prst="rect">
             <a:avLst/>
@@ -6200,7 +6081,175 @@
           <a:noFill/>
         </p:spPr>
         <p:txBody>
-          <a:bodyPr wrap="none" rtlCol="0">
+          <a:bodyPr wrap="square">
+            <a:spAutoFit/>
+          </a:bodyPr>
+          <a:lstStyle/>
+          <a:p>
+            <a:r>
+              <a:rPr lang="ko-KR" altLang="en-US" sz="1200" b="0" i="0" dirty="0">
+                <a:solidFill>
+                  <a:srgbClr val="333333"/>
+                </a:solidFill>
+                <a:effectLst/>
+                <a:latin typeface="Noto Sans KR"/>
+              </a:rPr>
+              <a:t>⑤</a:t>
+            </a:r>
+            <a:endParaRPr lang="ko-KR" altLang="en-US" sz="1200" dirty="0"/>
+          </a:p>
+        </p:txBody>
+      </p:sp>
+      <p:sp>
+        <p:nvSpPr>
+          <p:cNvPr id="89" name="TextBox 88">
+            <a:extLst>
+              <a:ext uri="{FF2B5EF4-FFF2-40B4-BE49-F238E27FC236}">
+                <a16:creationId xmlns:a16="http://schemas.microsoft.com/office/drawing/2014/main" id="{A1C038C0-BAFB-3C02-D574-381395270AB5}"/>
+              </a:ext>
+            </a:extLst>
+          </p:cNvPr>
+          <p:cNvSpPr txBox="1"/>
+          <p:nvPr/>
+        </p:nvSpPr>
+        <p:spPr>
+          <a:xfrm>
+            <a:off x="4747557" y="4125570"/>
+            <a:ext cx="707657" cy="276999"/>
+          </a:xfrm>
+          <a:prstGeom prst="rect">
+            <a:avLst/>
+          </a:prstGeom>
+          <a:noFill/>
+        </p:spPr>
+        <p:txBody>
+          <a:bodyPr wrap="square">
+            <a:spAutoFit/>
+          </a:bodyPr>
+          <a:lstStyle/>
+          <a:p>
+            <a:r>
+              <a:rPr lang="ko-KR" altLang="en-US" sz="1200" b="0" i="0" dirty="0">
+                <a:solidFill>
+                  <a:srgbClr val="333333"/>
+                </a:solidFill>
+                <a:effectLst/>
+                <a:latin typeface="Noto Sans KR"/>
+              </a:rPr>
+              <a:t>⑤</a:t>
+            </a:r>
+            <a:endParaRPr lang="ko-KR" altLang="en-US" sz="1200" dirty="0"/>
+          </a:p>
+        </p:txBody>
+      </p:sp>
+      <p:sp>
+        <p:nvSpPr>
+          <p:cNvPr id="91" name="TextBox 90">
+            <a:extLst>
+              <a:ext uri="{FF2B5EF4-FFF2-40B4-BE49-F238E27FC236}">
+                <a16:creationId xmlns:a16="http://schemas.microsoft.com/office/drawing/2014/main" id="{6D5CABDB-E537-2E38-4700-EFDBC777A94F}"/>
+              </a:ext>
+            </a:extLst>
+          </p:cNvPr>
+          <p:cNvSpPr txBox="1"/>
+          <p:nvPr/>
+        </p:nvSpPr>
+        <p:spPr>
+          <a:xfrm>
+            <a:off x="4606510" y="5204692"/>
+            <a:ext cx="653605" cy="276999"/>
+          </a:xfrm>
+          <a:prstGeom prst="rect">
+            <a:avLst/>
+          </a:prstGeom>
+          <a:noFill/>
+        </p:spPr>
+        <p:txBody>
+          <a:bodyPr wrap="square">
+            <a:spAutoFit/>
+          </a:bodyPr>
+          <a:lstStyle/>
+          <a:p>
+            <a:r>
+              <a:rPr lang="ko-KR" altLang="en-US" sz="1200" b="0" i="0" dirty="0">
+                <a:solidFill>
+                  <a:srgbClr val="333333"/>
+                </a:solidFill>
+                <a:effectLst/>
+                <a:latin typeface="Noto Sans KR"/>
+              </a:rPr>
+              <a:t>⑥</a:t>
+            </a:r>
+            <a:endParaRPr lang="ko-KR" altLang="en-US" sz="1200" dirty="0"/>
+          </a:p>
+        </p:txBody>
+      </p:sp>
+      <p:sp>
+        <p:nvSpPr>
+          <p:cNvPr id="92" name="TextBox 91">
+            <a:extLst>
+              <a:ext uri="{FF2B5EF4-FFF2-40B4-BE49-F238E27FC236}">
+                <a16:creationId xmlns:a16="http://schemas.microsoft.com/office/drawing/2014/main" id="{9C6A817F-8CCD-D7EE-4E04-1DB2E7CC88D8}"/>
+              </a:ext>
+            </a:extLst>
+          </p:cNvPr>
+          <p:cNvSpPr txBox="1"/>
+          <p:nvPr/>
+        </p:nvSpPr>
+        <p:spPr>
+          <a:xfrm>
+            <a:off x="7433673" y="5829519"/>
+            <a:ext cx="653605" cy="276999"/>
+          </a:xfrm>
+          <a:prstGeom prst="rect">
+            <a:avLst/>
+          </a:prstGeom>
+          <a:noFill/>
+        </p:spPr>
+        <p:txBody>
+          <a:bodyPr wrap="square">
+            <a:spAutoFit/>
+          </a:bodyPr>
+          <a:lstStyle/>
+          <a:p>
+            <a:r>
+              <a:rPr lang="ko-KR" altLang="en-US" sz="1200" b="0" i="0" dirty="0">
+                <a:solidFill>
+                  <a:srgbClr val="333333"/>
+                </a:solidFill>
+                <a:effectLst/>
+                <a:latin typeface="Noto Sans KR"/>
+              </a:rPr>
+              <a:t>⑦</a:t>
+            </a:r>
+            <a:endParaRPr lang="ko-KR" altLang="en-US" sz="1200" dirty="0"/>
+          </a:p>
+        </p:txBody>
+      </p:sp>
+      <p:sp>
+        <p:nvSpPr>
+          <p:cNvPr id="7" name="TextBox 6">
+            <a:extLst>
+              <a:ext uri="{FF2B5EF4-FFF2-40B4-BE49-F238E27FC236}">
+                <a16:creationId xmlns:a16="http://schemas.microsoft.com/office/drawing/2014/main" id="{2E8A3434-7927-9E21-1915-4D93D3605C50}"/>
+              </a:ext>
+            </a:extLst>
+          </p:cNvPr>
+          <p:cNvSpPr txBox="1"/>
+          <p:nvPr/>
+        </p:nvSpPr>
+        <p:spPr>
+          <a:xfrm>
+            <a:off x="7760475" y="3661553"/>
+            <a:ext cx="823350" cy="276999"/>
+          </a:xfrm>
+          <a:prstGeom prst="rect">
+            <a:avLst/>
+          </a:prstGeom>
+          <a:noFill/>
+        </p:spPr>
+        <p:txBody>
+          <a:bodyPr wrap="square" rtlCol="0">
             <a:spAutoFit/>
           </a:bodyPr>
           <a:lstStyle/>
@@ -6221,10 +6270,10 @@
       </p:sp>
       <p:sp>
         <p:nvSpPr>
-          <p:cNvPr id="88" name="TextBox 87">
-            <a:extLst>
-              <a:ext uri="{FF2B5EF4-FFF2-40B4-BE49-F238E27FC236}">
-                <a16:creationId xmlns:a16="http://schemas.microsoft.com/office/drawing/2014/main" id="{4C4ED3CF-F0D2-1197-917F-F220551D5685}"/>
+          <p:cNvPr id="8" name="TextBox 7">
+            <a:extLst>
+              <a:ext uri="{FF2B5EF4-FFF2-40B4-BE49-F238E27FC236}">
+                <a16:creationId xmlns:a16="http://schemas.microsoft.com/office/drawing/2014/main" id="{EA112FD1-A564-7C8D-0C53-1EDC53D65FD4}"/>
               </a:ext>
             </a:extLst>
           </p:cNvPr>
@@ -6233,91 +6282,7 @@
         </p:nvSpPr>
         <p:spPr>
           <a:xfrm>
-            <a:off x="6222123" y="5177192"/>
-            <a:ext cx="707657" cy="276999"/>
-          </a:xfrm>
-          <a:prstGeom prst="rect">
-            <a:avLst/>
-          </a:prstGeom>
-          <a:noFill/>
-        </p:spPr>
-        <p:txBody>
-          <a:bodyPr wrap="square">
-            <a:spAutoFit/>
-          </a:bodyPr>
-          <a:lstStyle/>
-          <a:p>
-            <a:r>
-              <a:rPr lang="ko-KR" altLang="en-US" sz="1200" b="0" i="0" dirty="0">
-                <a:solidFill>
-                  <a:srgbClr val="333333"/>
-                </a:solidFill>
-                <a:effectLst/>
-                <a:latin typeface="Noto Sans KR"/>
-              </a:rPr>
-              <a:t>⑤</a:t>
-            </a:r>
-            <a:endParaRPr lang="ko-KR" altLang="en-US" sz="1200" dirty="0"/>
-          </a:p>
-        </p:txBody>
-      </p:sp>
-      <p:sp>
-        <p:nvSpPr>
-          <p:cNvPr id="89" name="TextBox 88">
-            <a:extLst>
-              <a:ext uri="{FF2B5EF4-FFF2-40B4-BE49-F238E27FC236}">
-                <a16:creationId xmlns:a16="http://schemas.microsoft.com/office/drawing/2014/main" id="{A1C038C0-BAFB-3C02-D574-381395270AB5}"/>
-              </a:ext>
-            </a:extLst>
-          </p:cNvPr>
-          <p:cNvSpPr txBox="1"/>
-          <p:nvPr/>
-        </p:nvSpPr>
-        <p:spPr>
-          <a:xfrm>
-            <a:off x="4652458" y="5204692"/>
-            <a:ext cx="707657" cy="276999"/>
-          </a:xfrm>
-          <a:prstGeom prst="rect">
-            <a:avLst/>
-          </a:prstGeom>
-          <a:noFill/>
-        </p:spPr>
-        <p:txBody>
-          <a:bodyPr wrap="square">
-            <a:spAutoFit/>
-          </a:bodyPr>
-          <a:lstStyle/>
-          <a:p>
-            <a:r>
-              <a:rPr lang="ko-KR" altLang="en-US" sz="1200" b="0" i="0" dirty="0">
-                <a:solidFill>
-                  <a:srgbClr val="333333"/>
-                </a:solidFill>
-                <a:effectLst/>
-                <a:latin typeface="Noto Sans KR"/>
-              </a:rPr>
-              <a:t>⑤</a:t>
-            </a:r>
-            <a:endParaRPr lang="ko-KR" altLang="en-US" sz="1200" dirty="0"/>
-          </a:p>
-        </p:txBody>
-      </p:sp>
-      <p:sp>
-        <p:nvSpPr>
-          <p:cNvPr id="91" name="TextBox 90">
-            <a:extLst>
-              <a:ext uri="{FF2B5EF4-FFF2-40B4-BE49-F238E27FC236}">
-                <a16:creationId xmlns:a16="http://schemas.microsoft.com/office/drawing/2014/main" id="{6D5CABDB-E537-2E38-4700-EFDBC777A94F}"/>
-              </a:ext>
-            </a:extLst>
-          </p:cNvPr>
-          <p:cNvSpPr txBox="1"/>
-          <p:nvPr/>
-        </p:nvSpPr>
-        <p:spPr>
-          <a:xfrm>
-            <a:off x="3436003" y="5829519"/>
+            <a:off x="6298786" y="5204692"/>
             <a:ext cx="653605" cy="276999"/>
           </a:xfrm>
           <a:prstGeom prst="rect">
@@ -6347,10 +6312,10 @@
       </p:sp>
       <p:sp>
         <p:nvSpPr>
-          <p:cNvPr id="92" name="TextBox 91">
-            <a:extLst>
-              <a:ext uri="{FF2B5EF4-FFF2-40B4-BE49-F238E27FC236}">
-                <a16:creationId xmlns:a16="http://schemas.microsoft.com/office/drawing/2014/main" id="{9C6A817F-8CCD-D7EE-4E04-1DB2E7CC88D8}"/>
+          <p:cNvPr id="10" name="TextBox 9">
+            <a:extLst>
+              <a:ext uri="{FF2B5EF4-FFF2-40B4-BE49-F238E27FC236}">
+                <a16:creationId xmlns:a16="http://schemas.microsoft.com/office/drawing/2014/main" id="{2FD46780-3F0D-29F0-7036-74A84EE120BA}"/>
               </a:ext>
             </a:extLst>
           </p:cNvPr>
@@ -6359,7 +6324,7 @@
         </p:nvSpPr>
         <p:spPr>
           <a:xfrm>
-            <a:off x="7433673" y="5829519"/>
+            <a:off x="3450546" y="5829518"/>
             <a:ext cx="653605" cy="276999"/>
           </a:xfrm>
           <a:prstGeom prst="rect">
@@ -6381,7 +6346,884 @@
                 <a:effectLst/>
                 <a:latin typeface="Noto Sans KR"/>
               </a:rPr>
-              <a:t>⑥</a:t>
+              <a:t>⑦</a:t>
+            </a:r>
+            <a:endParaRPr lang="ko-KR" altLang="en-US" sz="1200" dirty="0"/>
+          </a:p>
+        </p:txBody>
+      </p:sp>
+      <p:sp>
+        <p:nvSpPr>
+          <p:cNvPr id="16" name="직사각형 15">
+            <a:extLst>
+              <a:ext uri="{FF2B5EF4-FFF2-40B4-BE49-F238E27FC236}">
+                <a16:creationId xmlns:a16="http://schemas.microsoft.com/office/drawing/2014/main" id="{0845E431-A42A-8E3E-9BB7-3B3F62DD1814}"/>
+              </a:ext>
+            </a:extLst>
+          </p:cNvPr>
+          <p:cNvSpPr/>
+          <p:nvPr/>
+        </p:nvSpPr>
+        <p:spPr>
+          <a:xfrm>
+            <a:off x="1888052" y="953802"/>
+            <a:ext cx="946966" cy="1397515"/>
+          </a:xfrm>
+          <a:prstGeom prst="rect">
+            <a:avLst/>
+          </a:prstGeom>
+          <a:solidFill>
+            <a:schemeClr val="bg1">
+              <a:lumMod val="95000"/>
+            </a:schemeClr>
+          </a:solidFill>
+          <a:ln>
+            <a:solidFill>
+              <a:schemeClr val="tx1"/>
+            </a:solidFill>
+          </a:ln>
+        </p:spPr>
+        <p:style>
+          <a:lnRef idx="2">
+            <a:schemeClr val="accent1">
+              <a:shade val="50000"/>
+            </a:schemeClr>
+          </a:lnRef>
+          <a:fillRef idx="1">
+            <a:schemeClr val="accent1"/>
+          </a:fillRef>
+          <a:effectRef idx="0">
+            <a:schemeClr val="accent1"/>
+          </a:effectRef>
+          <a:fontRef idx="minor">
+            <a:schemeClr val="lt1"/>
+          </a:fontRef>
+        </p:style>
+        <p:txBody>
+          <a:bodyPr rtlCol="0" anchor="ctr"/>
+          <a:lstStyle/>
+          <a:p>
+            <a:pPr algn="ctr"/>
+            <a:r>
+              <a:rPr lang="en-US" altLang="ko-KR" sz="1200" dirty="0">
+                <a:solidFill>
+                  <a:srgbClr val="000000"/>
+                </a:solidFill>
+                <a:latin typeface="+mn-ea"/>
+              </a:rPr>
+              <a:t>Connect</a:t>
+            </a:r>
+          </a:p>
+          <a:p>
+            <a:pPr algn="ctr"/>
+            <a:r>
+              <a:rPr lang="en-US" altLang="ko-KR" sz="1200" dirty="0">
+                <a:solidFill>
+                  <a:srgbClr val="000000"/>
+                </a:solidFill>
+                <a:latin typeface="+mn-ea"/>
+              </a:rPr>
+              <a:t>Server()</a:t>
+            </a:r>
+            <a:endParaRPr lang="ko-KR" altLang="en-US" sz="1200" dirty="0">
+              <a:solidFill>
+                <a:schemeClr val="tx1"/>
+              </a:solidFill>
+              <a:latin typeface="+mn-ea"/>
+            </a:endParaRPr>
+          </a:p>
+        </p:txBody>
+      </p:sp>
+      <p:sp>
+        <p:nvSpPr>
+          <p:cNvPr id="17" name="TextBox 16">
+            <a:extLst>
+              <a:ext uri="{FF2B5EF4-FFF2-40B4-BE49-F238E27FC236}">
+                <a16:creationId xmlns:a16="http://schemas.microsoft.com/office/drawing/2014/main" id="{DEDA9A99-0CF2-F226-1048-AEB1584ECDA6}"/>
+              </a:ext>
+            </a:extLst>
+          </p:cNvPr>
+          <p:cNvSpPr txBox="1"/>
+          <p:nvPr/>
+        </p:nvSpPr>
+        <p:spPr>
+          <a:xfrm>
+            <a:off x="-685766" y="159815"/>
+            <a:ext cx="6094602" cy="338554"/>
+          </a:xfrm>
+          <a:prstGeom prst="rect">
+            <a:avLst/>
+          </a:prstGeom>
+          <a:noFill/>
+        </p:spPr>
+        <p:txBody>
+          <a:bodyPr wrap="square">
+            <a:spAutoFit/>
+          </a:bodyPr>
+          <a:lstStyle/>
+          <a:p>
+            <a:pPr algn="ctr"/>
+            <a:r>
+              <a:rPr lang="ko-KR" altLang="en-US" sz="1600" b="1"/>
+              <a:t>클라이언트</a:t>
+            </a:r>
+            <a:endParaRPr lang="ko-KR" altLang="en-US" sz="1600" b="1" dirty="0"/>
+          </a:p>
+        </p:txBody>
+      </p:sp>
+      <p:sp>
+        <p:nvSpPr>
+          <p:cNvPr id="18" name="TextBox 17">
+            <a:extLst>
+              <a:ext uri="{FF2B5EF4-FFF2-40B4-BE49-F238E27FC236}">
+                <a16:creationId xmlns:a16="http://schemas.microsoft.com/office/drawing/2014/main" id="{EBD8B397-DE49-EBAF-7E5B-365976435329}"/>
+              </a:ext>
+            </a:extLst>
+          </p:cNvPr>
+          <p:cNvSpPr txBox="1"/>
+          <p:nvPr/>
+        </p:nvSpPr>
+        <p:spPr>
+          <a:xfrm>
+            <a:off x="5724154" y="162390"/>
+            <a:ext cx="6094602" cy="338554"/>
+          </a:xfrm>
+          <a:prstGeom prst="rect">
+            <a:avLst/>
+          </a:prstGeom>
+          <a:noFill/>
+        </p:spPr>
+        <p:txBody>
+          <a:bodyPr wrap="square">
+            <a:spAutoFit/>
+          </a:bodyPr>
+          <a:lstStyle/>
+          <a:p>
+            <a:pPr algn="ctr"/>
+            <a:r>
+              <a:rPr lang="ko-KR" altLang="en-US" sz="1600" b="1"/>
+              <a:t>클라이언트</a:t>
+            </a:r>
+            <a:endParaRPr lang="ko-KR" altLang="en-US" sz="1600" b="1" dirty="0"/>
+          </a:p>
+        </p:txBody>
+      </p:sp>
+      <p:sp>
+        <p:nvSpPr>
+          <p:cNvPr id="21" name="직사각형 20">
+            <a:extLst>
+              <a:ext uri="{FF2B5EF4-FFF2-40B4-BE49-F238E27FC236}">
+                <a16:creationId xmlns:a16="http://schemas.microsoft.com/office/drawing/2014/main" id="{A7712D31-187F-3CC8-69A6-6D17874A2D51}"/>
+              </a:ext>
+            </a:extLst>
+          </p:cNvPr>
+          <p:cNvSpPr/>
+          <p:nvPr/>
+        </p:nvSpPr>
+        <p:spPr>
+          <a:xfrm>
+            <a:off x="8328972" y="953802"/>
+            <a:ext cx="946966" cy="1397515"/>
+          </a:xfrm>
+          <a:prstGeom prst="rect">
+            <a:avLst/>
+          </a:prstGeom>
+          <a:solidFill>
+            <a:schemeClr val="bg1">
+              <a:lumMod val="95000"/>
+            </a:schemeClr>
+          </a:solidFill>
+          <a:ln>
+            <a:solidFill>
+              <a:schemeClr val="tx1"/>
+            </a:solidFill>
+          </a:ln>
+        </p:spPr>
+        <p:style>
+          <a:lnRef idx="2">
+            <a:schemeClr val="accent1">
+              <a:shade val="50000"/>
+            </a:schemeClr>
+          </a:lnRef>
+          <a:fillRef idx="1">
+            <a:schemeClr val="accent1"/>
+          </a:fillRef>
+          <a:effectRef idx="0">
+            <a:schemeClr val="accent1"/>
+          </a:effectRef>
+          <a:fontRef idx="minor">
+            <a:schemeClr val="lt1"/>
+          </a:fontRef>
+        </p:style>
+        <p:txBody>
+          <a:bodyPr rtlCol="0" anchor="ctr"/>
+          <a:lstStyle/>
+          <a:p>
+            <a:pPr algn="ctr"/>
+            <a:r>
+              <a:rPr lang="en-US" altLang="ko-KR" sz="1200" dirty="0">
+                <a:solidFill>
+                  <a:srgbClr val="000000"/>
+                </a:solidFill>
+                <a:latin typeface="+mn-ea"/>
+              </a:rPr>
+              <a:t>Connect</a:t>
+            </a:r>
+          </a:p>
+          <a:p>
+            <a:pPr algn="ctr"/>
+            <a:r>
+              <a:rPr lang="en-US" altLang="ko-KR" sz="1200" dirty="0">
+                <a:solidFill>
+                  <a:srgbClr val="000000"/>
+                </a:solidFill>
+                <a:latin typeface="+mn-ea"/>
+              </a:rPr>
+              <a:t>Server()</a:t>
+            </a:r>
+            <a:endParaRPr lang="ko-KR" altLang="en-US" sz="1200" dirty="0">
+              <a:solidFill>
+                <a:schemeClr val="tx1"/>
+              </a:solidFill>
+              <a:latin typeface="+mn-ea"/>
+            </a:endParaRPr>
+          </a:p>
+        </p:txBody>
+      </p:sp>
+      <p:cxnSp>
+        <p:nvCxnSpPr>
+          <p:cNvPr id="29" name="직선 화살표 연결선 28">
+            <a:extLst>
+              <a:ext uri="{FF2B5EF4-FFF2-40B4-BE49-F238E27FC236}">
+                <a16:creationId xmlns:a16="http://schemas.microsoft.com/office/drawing/2014/main" id="{E72B7C3F-FB3E-CFC4-9C14-C31CD34A174D}"/>
+              </a:ext>
+            </a:extLst>
+          </p:cNvPr>
+          <p:cNvCxnSpPr>
+            <a:cxnSpLocks/>
+            <a:endCxn id="34" idx="0"/>
+          </p:cNvCxnSpPr>
+          <p:nvPr/>
+        </p:nvCxnSpPr>
+        <p:spPr>
+          <a:xfrm>
+            <a:off x="2360206" y="2358309"/>
+            <a:ext cx="0" cy="544745"/>
+          </a:xfrm>
+          <a:prstGeom prst="straightConnector1">
+            <a:avLst/>
+          </a:prstGeom>
+          <a:ln>
+            <a:tailEnd type="triangle"/>
+          </a:ln>
+        </p:spPr>
+        <p:style>
+          <a:lnRef idx="1">
+            <a:schemeClr val="dk1"/>
+          </a:lnRef>
+          <a:fillRef idx="0">
+            <a:schemeClr val="dk1"/>
+          </a:fillRef>
+          <a:effectRef idx="0">
+            <a:schemeClr val="dk1"/>
+          </a:effectRef>
+          <a:fontRef idx="minor">
+            <a:schemeClr val="tx1"/>
+          </a:fontRef>
+        </p:style>
+      </p:cxnSp>
+      <p:sp>
+        <p:nvSpPr>
+          <p:cNvPr id="34" name="직사각형 33">
+            <a:extLst>
+              <a:ext uri="{FF2B5EF4-FFF2-40B4-BE49-F238E27FC236}">
+                <a16:creationId xmlns:a16="http://schemas.microsoft.com/office/drawing/2014/main" id="{6384E902-D04A-770C-65A5-26AD5671C782}"/>
+              </a:ext>
+            </a:extLst>
+          </p:cNvPr>
+          <p:cNvSpPr/>
+          <p:nvPr/>
+        </p:nvSpPr>
+        <p:spPr>
+          <a:xfrm>
+            <a:off x="1886723" y="2903054"/>
+            <a:ext cx="946966" cy="3101891"/>
+          </a:xfrm>
+          <a:prstGeom prst="rect">
+            <a:avLst/>
+          </a:prstGeom>
+          <a:solidFill>
+            <a:schemeClr val="bg1">
+              <a:lumMod val="95000"/>
+            </a:schemeClr>
+          </a:solidFill>
+          <a:ln>
+            <a:solidFill>
+              <a:schemeClr val="tx1"/>
+            </a:solidFill>
+          </a:ln>
+        </p:spPr>
+        <p:style>
+          <a:lnRef idx="2">
+            <a:schemeClr val="accent1">
+              <a:shade val="50000"/>
+            </a:schemeClr>
+          </a:lnRef>
+          <a:fillRef idx="1">
+            <a:schemeClr val="accent1"/>
+          </a:fillRef>
+          <a:effectRef idx="0">
+            <a:schemeClr val="accent1"/>
+          </a:effectRef>
+          <a:fontRef idx="minor">
+            <a:schemeClr val="lt1"/>
+          </a:fontRef>
+        </p:style>
+        <p:txBody>
+          <a:bodyPr rtlCol="0" anchor="ctr"/>
+          <a:lstStyle/>
+          <a:p>
+            <a:pPr algn="ctr"/>
+            <a:r>
+              <a:rPr lang="en-US" altLang="ko-KR" sz="1200" dirty="0">
+                <a:solidFill>
+                  <a:srgbClr val="000000"/>
+                </a:solidFill>
+                <a:latin typeface="+mn-ea"/>
+              </a:rPr>
+              <a:t>Render</a:t>
+            </a:r>
+          </a:p>
+          <a:p>
+            <a:pPr algn="ctr"/>
+            <a:r>
+              <a:rPr lang="en-US" altLang="ko-KR" sz="1200" dirty="0">
+                <a:solidFill>
+                  <a:srgbClr val="000000"/>
+                </a:solidFill>
+                <a:latin typeface="+mn-ea"/>
+              </a:rPr>
+              <a:t>Scene()</a:t>
+            </a:r>
+            <a:endParaRPr lang="ko-KR" altLang="en-US" sz="1200" dirty="0">
+              <a:solidFill>
+                <a:schemeClr val="tx1"/>
+              </a:solidFill>
+              <a:latin typeface="+mn-ea"/>
+            </a:endParaRPr>
+          </a:p>
+        </p:txBody>
+      </p:sp>
+      <p:sp>
+        <p:nvSpPr>
+          <p:cNvPr id="38" name="직사각형 37">
+            <a:extLst>
+              <a:ext uri="{FF2B5EF4-FFF2-40B4-BE49-F238E27FC236}">
+                <a16:creationId xmlns:a16="http://schemas.microsoft.com/office/drawing/2014/main" id="{ED707D66-A632-D83E-07B6-4FEF7EEF3D37}"/>
+              </a:ext>
+            </a:extLst>
+          </p:cNvPr>
+          <p:cNvSpPr/>
+          <p:nvPr/>
+        </p:nvSpPr>
+        <p:spPr>
+          <a:xfrm>
+            <a:off x="8333969" y="2903054"/>
+            <a:ext cx="946966" cy="3089221"/>
+          </a:xfrm>
+          <a:prstGeom prst="rect">
+            <a:avLst/>
+          </a:prstGeom>
+          <a:solidFill>
+            <a:schemeClr val="bg1">
+              <a:lumMod val="95000"/>
+            </a:schemeClr>
+          </a:solidFill>
+          <a:ln>
+            <a:solidFill>
+              <a:schemeClr val="tx1"/>
+            </a:solidFill>
+          </a:ln>
+        </p:spPr>
+        <p:style>
+          <a:lnRef idx="2">
+            <a:schemeClr val="accent1">
+              <a:shade val="50000"/>
+            </a:schemeClr>
+          </a:lnRef>
+          <a:fillRef idx="1">
+            <a:schemeClr val="accent1"/>
+          </a:fillRef>
+          <a:effectRef idx="0">
+            <a:schemeClr val="accent1"/>
+          </a:effectRef>
+          <a:fontRef idx="minor">
+            <a:schemeClr val="lt1"/>
+          </a:fontRef>
+        </p:style>
+        <p:txBody>
+          <a:bodyPr rtlCol="0" anchor="ctr"/>
+          <a:lstStyle/>
+          <a:p>
+            <a:pPr algn="ctr"/>
+            <a:r>
+              <a:rPr lang="en-US" altLang="ko-KR" sz="1200" dirty="0">
+                <a:solidFill>
+                  <a:srgbClr val="000000"/>
+                </a:solidFill>
+                <a:latin typeface="+mn-ea"/>
+              </a:rPr>
+              <a:t>Render</a:t>
+            </a:r>
+          </a:p>
+          <a:p>
+            <a:pPr algn="ctr"/>
+            <a:r>
+              <a:rPr lang="en-US" altLang="ko-KR" sz="1200" dirty="0">
+                <a:solidFill>
+                  <a:srgbClr val="000000"/>
+                </a:solidFill>
+                <a:latin typeface="+mn-ea"/>
+              </a:rPr>
+              <a:t>Scene()</a:t>
+            </a:r>
+            <a:endParaRPr lang="ko-KR" altLang="en-US" sz="1200" dirty="0">
+              <a:solidFill>
+                <a:schemeClr val="tx1"/>
+              </a:solidFill>
+              <a:latin typeface="+mn-ea"/>
+            </a:endParaRPr>
+          </a:p>
+        </p:txBody>
+      </p:sp>
+      <p:cxnSp>
+        <p:nvCxnSpPr>
+          <p:cNvPr id="39" name="직선 화살표 연결선 38">
+            <a:extLst>
+              <a:ext uri="{FF2B5EF4-FFF2-40B4-BE49-F238E27FC236}">
+                <a16:creationId xmlns:a16="http://schemas.microsoft.com/office/drawing/2014/main" id="{960BB4E5-3D40-673E-E344-2038F0BB045A}"/>
+              </a:ext>
+            </a:extLst>
+          </p:cNvPr>
+          <p:cNvCxnSpPr>
+            <a:cxnSpLocks/>
+            <a:stCxn id="21" idx="2"/>
+            <a:endCxn id="38" idx="0"/>
+          </p:cNvCxnSpPr>
+          <p:nvPr/>
+        </p:nvCxnSpPr>
+        <p:spPr>
+          <a:xfrm>
+            <a:off x="8802455" y="2351317"/>
+            <a:ext cx="4997" cy="551737"/>
+          </a:xfrm>
+          <a:prstGeom prst="straightConnector1">
+            <a:avLst/>
+          </a:prstGeom>
+          <a:ln>
+            <a:tailEnd type="triangle"/>
+          </a:ln>
+        </p:spPr>
+        <p:style>
+          <a:lnRef idx="1">
+            <a:schemeClr val="dk1"/>
+          </a:lnRef>
+          <a:fillRef idx="0">
+            <a:schemeClr val="dk1"/>
+          </a:fillRef>
+          <a:effectRef idx="0">
+            <a:schemeClr val="dk1"/>
+          </a:effectRef>
+          <a:fontRef idx="minor">
+            <a:schemeClr val="tx1"/>
+          </a:fontRef>
+        </p:style>
+      </p:cxnSp>
+      <p:sp>
+        <p:nvSpPr>
+          <p:cNvPr id="64" name="직사각형 63">
+            <a:extLst>
+              <a:ext uri="{FF2B5EF4-FFF2-40B4-BE49-F238E27FC236}">
+                <a16:creationId xmlns:a16="http://schemas.microsoft.com/office/drawing/2014/main" id="{077DD971-1FF3-B786-2203-ADB0B7502646}"/>
+              </a:ext>
+            </a:extLst>
+          </p:cNvPr>
+          <p:cNvSpPr/>
+          <p:nvPr/>
+        </p:nvSpPr>
+        <p:spPr>
+          <a:xfrm>
+            <a:off x="8297972" y="6176593"/>
+            <a:ext cx="946966" cy="394769"/>
+          </a:xfrm>
+          <a:prstGeom prst="rect">
+            <a:avLst/>
+          </a:prstGeom>
+          <a:solidFill>
+            <a:schemeClr val="bg1">
+              <a:lumMod val="95000"/>
+            </a:schemeClr>
+          </a:solidFill>
+          <a:ln>
+            <a:solidFill>
+              <a:schemeClr val="tx1"/>
+            </a:solidFill>
+          </a:ln>
+        </p:spPr>
+        <p:style>
+          <a:lnRef idx="2">
+            <a:schemeClr val="accent1">
+              <a:shade val="50000"/>
+            </a:schemeClr>
+          </a:lnRef>
+          <a:fillRef idx="1">
+            <a:schemeClr val="accent1"/>
+          </a:fillRef>
+          <a:effectRef idx="0">
+            <a:schemeClr val="accent1"/>
+          </a:effectRef>
+          <a:fontRef idx="minor">
+            <a:schemeClr val="lt1"/>
+          </a:fontRef>
+        </p:style>
+        <p:txBody>
+          <a:bodyPr rtlCol="0" anchor="ctr"/>
+          <a:lstStyle/>
+          <a:p>
+            <a:pPr algn="ctr"/>
+            <a:r>
+              <a:rPr lang="en-US" altLang="ko-KR" sz="1200" dirty="0">
+                <a:solidFill>
+                  <a:schemeClr val="tx1"/>
+                </a:solidFill>
+                <a:latin typeface="+mn-ea"/>
+              </a:rPr>
+              <a:t>Display</a:t>
+            </a:r>
+            <a:endParaRPr lang="ko-KR" altLang="en-US" sz="1200" dirty="0">
+              <a:solidFill>
+                <a:schemeClr val="tx1"/>
+              </a:solidFill>
+              <a:latin typeface="+mn-ea"/>
+            </a:endParaRPr>
+          </a:p>
+        </p:txBody>
+      </p:sp>
+      <p:sp>
+        <p:nvSpPr>
+          <p:cNvPr id="66" name="직사각형 65">
+            <a:extLst>
+              <a:ext uri="{FF2B5EF4-FFF2-40B4-BE49-F238E27FC236}">
+                <a16:creationId xmlns:a16="http://schemas.microsoft.com/office/drawing/2014/main" id="{C711DA90-C0A9-A93D-03FD-E6A7AEEF10FD}"/>
+              </a:ext>
+            </a:extLst>
+          </p:cNvPr>
+          <p:cNvSpPr/>
+          <p:nvPr/>
+        </p:nvSpPr>
+        <p:spPr>
+          <a:xfrm>
+            <a:off x="1871467" y="6149088"/>
+            <a:ext cx="946966" cy="394769"/>
+          </a:xfrm>
+          <a:prstGeom prst="rect">
+            <a:avLst/>
+          </a:prstGeom>
+          <a:solidFill>
+            <a:schemeClr val="bg1">
+              <a:lumMod val="95000"/>
+            </a:schemeClr>
+          </a:solidFill>
+          <a:ln>
+            <a:solidFill>
+              <a:schemeClr val="tx1"/>
+            </a:solidFill>
+          </a:ln>
+        </p:spPr>
+        <p:style>
+          <a:lnRef idx="2">
+            <a:schemeClr val="accent1">
+              <a:shade val="50000"/>
+            </a:schemeClr>
+          </a:lnRef>
+          <a:fillRef idx="1">
+            <a:schemeClr val="accent1"/>
+          </a:fillRef>
+          <a:effectRef idx="0">
+            <a:schemeClr val="accent1"/>
+          </a:effectRef>
+          <a:fontRef idx="minor">
+            <a:schemeClr val="lt1"/>
+          </a:fontRef>
+        </p:style>
+        <p:txBody>
+          <a:bodyPr rtlCol="0" anchor="ctr"/>
+          <a:lstStyle/>
+          <a:p>
+            <a:pPr algn="ctr"/>
+            <a:r>
+              <a:rPr lang="en-US" altLang="ko-KR" sz="1200" dirty="0">
+                <a:solidFill>
+                  <a:schemeClr val="tx1"/>
+                </a:solidFill>
+                <a:latin typeface="+mn-ea"/>
+              </a:rPr>
+              <a:t>Display</a:t>
+            </a:r>
+            <a:endParaRPr lang="ko-KR" altLang="en-US" sz="1200" dirty="0">
+              <a:solidFill>
+                <a:schemeClr val="tx1"/>
+              </a:solidFill>
+              <a:latin typeface="+mn-ea"/>
+            </a:endParaRPr>
+          </a:p>
+        </p:txBody>
+      </p:sp>
+      <p:cxnSp>
+        <p:nvCxnSpPr>
+          <p:cNvPr id="68" name="직선 화살표 연결선 67">
+            <a:extLst>
+              <a:ext uri="{FF2B5EF4-FFF2-40B4-BE49-F238E27FC236}">
+                <a16:creationId xmlns:a16="http://schemas.microsoft.com/office/drawing/2014/main" id="{1BA25CD6-CE72-1B87-0643-86660156B832}"/>
+              </a:ext>
+            </a:extLst>
+          </p:cNvPr>
+          <p:cNvCxnSpPr>
+            <a:cxnSpLocks/>
+          </p:cNvCxnSpPr>
+          <p:nvPr/>
+        </p:nvCxnSpPr>
+        <p:spPr>
+          <a:xfrm>
+            <a:off x="8746225" y="5994233"/>
+            <a:ext cx="9036" cy="184099"/>
+          </a:xfrm>
+          <a:prstGeom prst="straightConnector1">
+            <a:avLst/>
+          </a:prstGeom>
+          <a:ln>
+            <a:tailEnd type="triangle"/>
+          </a:ln>
+        </p:spPr>
+        <p:style>
+          <a:lnRef idx="1">
+            <a:schemeClr val="dk1"/>
+          </a:lnRef>
+          <a:fillRef idx="0">
+            <a:schemeClr val="dk1"/>
+          </a:fillRef>
+          <a:effectRef idx="0">
+            <a:schemeClr val="dk1"/>
+          </a:effectRef>
+          <a:fontRef idx="minor">
+            <a:schemeClr val="tx1"/>
+          </a:fontRef>
+        </p:style>
+      </p:cxnSp>
+      <p:cxnSp>
+        <p:nvCxnSpPr>
+          <p:cNvPr id="72" name="직선 화살표 연결선 71">
+            <a:extLst>
+              <a:ext uri="{FF2B5EF4-FFF2-40B4-BE49-F238E27FC236}">
+                <a16:creationId xmlns:a16="http://schemas.microsoft.com/office/drawing/2014/main" id="{CD04486B-A435-3BCF-522A-5C137D9E9B8D}"/>
+              </a:ext>
+            </a:extLst>
+          </p:cNvPr>
+          <p:cNvCxnSpPr>
+            <a:cxnSpLocks/>
+          </p:cNvCxnSpPr>
+          <p:nvPr/>
+        </p:nvCxnSpPr>
+        <p:spPr>
+          <a:xfrm>
+            <a:off x="2335914" y="6007578"/>
+            <a:ext cx="9036" cy="184099"/>
+          </a:xfrm>
+          <a:prstGeom prst="straightConnector1">
+            <a:avLst/>
+          </a:prstGeom>
+          <a:ln>
+            <a:tailEnd type="triangle"/>
+          </a:ln>
+        </p:spPr>
+        <p:style>
+          <a:lnRef idx="1">
+            <a:schemeClr val="dk1"/>
+          </a:lnRef>
+          <a:fillRef idx="0">
+            <a:schemeClr val="dk1"/>
+          </a:fillRef>
+          <a:effectRef idx="0">
+            <a:schemeClr val="dk1"/>
+          </a:effectRef>
+          <a:fontRef idx="minor">
+            <a:schemeClr val="tx1"/>
+          </a:fontRef>
+        </p:style>
+      </p:cxnSp>
+      <p:sp>
+        <p:nvSpPr>
+          <p:cNvPr id="94" name="TextBox 93">
+            <a:extLst>
+              <a:ext uri="{FF2B5EF4-FFF2-40B4-BE49-F238E27FC236}">
+                <a16:creationId xmlns:a16="http://schemas.microsoft.com/office/drawing/2014/main" id="{F2BDE6A9-FC50-74DD-8B3D-6B6F3D407CDA}"/>
+              </a:ext>
+            </a:extLst>
+          </p:cNvPr>
+          <p:cNvSpPr txBox="1"/>
+          <p:nvPr/>
+        </p:nvSpPr>
+        <p:spPr>
+          <a:xfrm>
+            <a:off x="8790773" y="2474496"/>
+            <a:ext cx="338554" cy="276999"/>
+          </a:xfrm>
+          <a:prstGeom prst="rect">
+            <a:avLst/>
+          </a:prstGeom>
+          <a:noFill/>
+        </p:spPr>
+        <p:txBody>
+          <a:bodyPr wrap="none" rtlCol="0">
+            <a:spAutoFit/>
+          </a:bodyPr>
+          <a:lstStyle/>
+          <a:p>
+            <a:r>
+              <a:rPr lang="ko-KR" altLang="en-US" sz="1200" b="0" i="0" dirty="0">
+                <a:solidFill>
+                  <a:srgbClr val="333333"/>
+                </a:solidFill>
+                <a:effectLst/>
+                <a:latin typeface="Noto Sans KR"/>
+              </a:rPr>
+              <a:t>②</a:t>
+            </a:r>
+            <a:endParaRPr lang="ko-KR" altLang="en-US" sz="1200" b="1" dirty="0"/>
+          </a:p>
+        </p:txBody>
+      </p:sp>
+      <p:sp>
+        <p:nvSpPr>
+          <p:cNvPr id="95" name="TextBox 94">
+            <a:extLst>
+              <a:ext uri="{FF2B5EF4-FFF2-40B4-BE49-F238E27FC236}">
+                <a16:creationId xmlns:a16="http://schemas.microsoft.com/office/drawing/2014/main" id="{6518E29A-45D6-447B-6B70-91932464E2E9}"/>
+              </a:ext>
+            </a:extLst>
+          </p:cNvPr>
+          <p:cNvSpPr txBox="1"/>
+          <p:nvPr/>
+        </p:nvSpPr>
+        <p:spPr>
+          <a:xfrm>
+            <a:off x="2371889" y="2466917"/>
+            <a:ext cx="338554" cy="276999"/>
+          </a:xfrm>
+          <a:prstGeom prst="rect">
+            <a:avLst/>
+          </a:prstGeom>
+          <a:noFill/>
+        </p:spPr>
+        <p:txBody>
+          <a:bodyPr wrap="none" rtlCol="0">
+            <a:spAutoFit/>
+          </a:bodyPr>
+          <a:lstStyle/>
+          <a:p>
+            <a:r>
+              <a:rPr lang="ko-KR" altLang="en-US" sz="1200" b="0" i="0" dirty="0">
+                <a:solidFill>
+                  <a:srgbClr val="333333"/>
+                </a:solidFill>
+                <a:effectLst/>
+                <a:latin typeface="Noto Sans KR"/>
+              </a:rPr>
+              <a:t>②</a:t>
+            </a:r>
+            <a:endParaRPr lang="ko-KR" altLang="en-US" sz="1200" b="1" dirty="0"/>
+          </a:p>
+        </p:txBody>
+      </p:sp>
+      <p:sp>
+        <p:nvSpPr>
+          <p:cNvPr id="96" name="TextBox 95">
+            <a:extLst>
+              <a:ext uri="{FF2B5EF4-FFF2-40B4-BE49-F238E27FC236}">
+                <a16:creationId xmlns:a16="http://schemas.microsoft.com/office/drawing/2014/main" id="{24958161-222D-4A48-F2D3-9FAD4ED63A30}"/>
+              </a:ext>
+            </a:extLst>
+          </p:cNvPr>
+          <p:cNvSpPr txBox="1"/>
+          <p:nvPr/>
+        </p:nvSpPr>
+        <p:spPr>
+          <a:xfrm>
+            <a:off x="8257022" y="6201019"/>
+            <a:ext cx="653605" cy="276999"/>
+          </a:xfrm>
+          <a:prstGeom prst="rect">
+            <a:avLst/>
+          </a:prstGeom>
+          <a:noFill/>
+        </p:spPr>
+        <p:txBody>
+          <a:bodyPr wrap="square">
+            <a:spAutoFit/>
+          </a:bodyPr>
+          <a:lstStyle/>
+          <a:p>
+            <a:r>
+              <a:rPr lang="ko-KR" altLang="en-US" sz="1200" b="0" i="0" dirty="0">
+                <a:solidFill>
+                  <a:srgbClr val="333333"/>
+                </a:solidFill>
+                <a:effectLst/>
+                <a:latin typeface="Noto Sans KR"/>
+              </a:rPr>
+              <a:t>⑧</a:t>
+            </a:r>
+            <a:endParaRPr lang="ko-KR" altLang="en-US" sz="1200" dirty="0"/>
+          </a:p>
+        </p:txBody>
+      </p:sp>
+      <p:sp>
+        <p:nvSpPr>
+          <p:cNvPr id="97" name="TextBox 96">
+            <a:extLst>
+              <a:ext uri="{FF2B5EF4-FFF2-40B4-BE49-F238E27FC236}">
+                <a16:creationId xmlns:a16="http://schemas.microsoft.com/office/drawing/2014/main" id="{BAA6D99A-98E2-C167-74FE-64691AB3591A}"/>
+              </a:ext>
+            </a:extLst>
+          </p:cNvPr>
+          <p:cNvSpPr txBox="1"/>
+          <p:nvPr/>
+        </p:nvSpPr>
+        <p:spPr>
+          <a:xfrm>
+            <a:off x="1854934" y="6191659"/>
+            <a:ext cx="653605" cy="276999"/>
+          </a:xfrm>
+          <a:prstGeom prst="rect">
+            <a:avLst/>
+          </a:prstGeom>
+          <a:noFill/>
+        </p:spPr>
+        <p:txBody>
+          <a:bodyPr wrap="square">
+            <a:spAutoFit/>
+          </a:bodyPr>
+          <a:lstStyle/>
+          <a:p>
+            <a:r>
+              <a:rPr lang="ko-KR" altLang="en-US" sz="1200" b="0" i="0" dirty="0">
+                <a:solidFill>
+                  <a:srgbClr val="333333"/>
+                </a:solidFill>
+                <a:effectLst/>
+                <a:latin typeface="Noto Sans KR"/>
+              </a:rPr>
+              <a:t>⑧</a:t>
             </a:r>
             <a:endParaRPr lang="ko-KR" altLang="en-US" sz="1200" dirty="0"/>
           </a:p>
@@ -8031,6 +8873,1652 @@
           <p:cNvPr id="4" name="사각형: 둥근 모서리 3">
             <a:extLst>
               <a:ext uri="{FF2B5EF4-FFF2-40B4-BE49-F238E27FC236}">
+                <a16:creationId xmlns:a16="http://schemas.microsoft.com/office/drawing/2014/main" id="{4DC31837-37C6-941A-2B03-BBF838AA3914}"/>
+              </a:ext>
+            </a:extLst>
+          </p:cNvPr>
+          <p:cNvSpPr/>
+          <p:nvPr/>
+        </p:nvSpPr>
+        <p:spPr>
+          <a:xfrm>
+            <a:off x="952500" y="690354"/>
+            <a:ext cx="3340100" cy="5842000"/>
+          </a:xfrm>
+          <a:prstGeom prst="roundRect">
+            <a:avLst/>
+          </a:prstGeom>
+          <a:solidFill>
+            <a:schemeClr val="accent4">
+              <a:lumMod val="20000"/>
+              <a:lumOff val="80000"/>
+            </a:schemeClr>
+          </a:solidFill>
+        </p:spPr>
+        <p:style>
+          <a:lnRef idx="2">
+            <a:schemeClr val="accent1">
+              <a:shade val="50000"/>
+            </a:schemeClr>
+          </a:lnRef>
+          <a:fillRef idx="1">
+            <a:schemeClr val="accent1"/>
+          </a:fillRef>
+          <a:effectRef idx="0">
+            <a:schemeClr val="accent1"/>
+          </a:effectRef>
+          <a:fontRef idx="minor">
+            <a:schemeClr val="lt1"/>
+          </a:fontRef>
+        </p:style>
+        <p:txBody>
+          <a:bodyPr rtlCol="0" anchor="ctr"/>
+          <a:lstStyle/>
+          <a:p>
+            <a:pPr algn="ctr"/>
+            <a:endParaRPr lang="ko-KR" altLang="en-US" dirty="0"/>
+          </a:p>
+        </p:txBody>
+      </p:sp>
+      <p:sp>
+        <p:nvSpPr>
+          <p:cNvPr id="5" name="사각형: 둥근 모서리 4">
+            <a:extLst>
+              <a:ext uri="{FF2B5EF4-FFF2-40B4-BE49-F238E27FC236}">
+                <a16:creationId xmlns:a16="http://schemas.microsoft.com/office/drawing/2014/main" id="{B2828FC1-A03E-FD1F-4694-9FF62A25B009}"/>
+              </a:ext>
+            </a:extLst>
+          </p:cNvPr>
+          <p:cNvSpPr/>
+          <p:nvPr/>
+        </p:nvSpPr>
+        <p:spPr>
+          <a:xfrm>
+            <a:off x="5113460" y="690354"/>
+            <a:ext cx="3340100" cy="5842000"/>
+          </a:xfrm>
+          <a:prstGeom prst="roundRect">
+            <a:avLst/>
+          </a:prstGeom>
+          <a:solidFill>
+            <a:schemeClr val="accent5">
+              <a:lumMod val="20000"/>
+              <a:lumOff val="80000"/>
+            </a:schemeClr>
+          </a:solidFill>
+        </p:spPr>
+        <p:style>
+          <a:lnRef idx="2">
+            <a:schemeClr val="accent1">
+              <a:shade val="50000"/>
+            </a:schemeClr>
+          </a:lnRef>
+          <a:fillRef idx="1">
+            <a:schemeClr val="accent1"/>
+          </a:fillRef>
+          <a:effectRef idx="0">
+            <a:schemeClr val="accent1"/>
+          </a:effectRef>
+          <a:fontRef idx="minor">
+            <a:schemeClr val="lt1"/>
+          </a:fontRef>
+        </p:style>
+        <p:txBody>
+          <a:bodyPr rtlCol="0" anchor="ctr"/>
+          <a:lstStyle/>
+          <a:p>
+            <a:pPr algn="ctr"/>
+            <a:endParaRPr lang="ko-KR" altLang="en-US" dirty="0"/>
+          </a:p>
+        </p:txBody>
+      </p:sp>
+      <p:sp>
+        <p:nvSpPr>
+          <p:cNvPr id="6" name="TextBox 5">
+            <a:extLst>
+              <a:ext uri="{FF2B5EF4-FFF2-40B4-BE49-F238E27FC236}">
+                <a16:creationId xmlns:a16="http://schemas.microsoft.com/office/drawing/2014/main" id="{49F03F19-C8E1-7200-20EC-7776A1A085CB}"/>
+              </a:ext>
+            </a:extLst>
+          </p:cNvPr>
+          <p:cNvSpPr txBox="1"/>
+          <p:nvPr/>
+        </p:nvSpPr>
+        <p:spPr>
+          <a:xfrm>
+            <a:off x="1368715" y="368179"/>
+            <a:ext cx="2463800" cy="307777"/>
+          </a:xfrm>
+          <a:prstGeom prst="rect">
+            <a:avLst/>
+          </a:prstGeom>
+          <a:noFill/>
+        </p:spPr>
+        <p:txBody>
+          <a:bodyPr wrap="square" rtlCol="0">
+            <a:spAutoFit/>
+          </a:bodyPr>
+          <a:lstStyle/>
+          <a:p>
+            <a:pPr algn="ctr"/>
+            <a:r>
+              <a:rPr lang="ko-KR" altLang="en-US" sz="1400" b="1" dirty="0"/>
+              <a:t>클라이언트</a:t>
+            </a:r>
+          </a:p>
+        </p:txBody>
+      </p:sp>
+      <p:sp>
+        <p:nvSpPr>
+          <p:cNvPr id="7" name="TextBox 6">
+            <a:extLst>
+              <a:ext uri="{FF2B5EF4-FFF2-40B4-BE49-F238E27FC236}">
+                <a16:creationId xmlns:a16="http://schemas.microsoft.com/office/drawing/2014/main" id="{A8865153-1781-FD2B-90AD-7413DDCEEE17}"/>
+              </a:ext>
+            </a:extLst>
+          </p:cNvPr>
+          <p:cNvSpPr txBox="1"/>
+          <p:nvPr/>
+        </p:nvSpPr>
+        <p:spPr>
+          <a:xfrm>
+            <a:off x="5551610" y="349718"/>
+            <a:ext cx="2463800" cy="307777"/>
+          </a:xfrm>
+          <a:prstGeom prst="rect">
+            <a:avLst/>
+          </a:prstGeom>
+          <a:noFill/>
+        </p:spPr>
+        <p:txBody>
+          <a:bodyPr wrap="square" rtlCol="0">
+            <a:spAutoFit/>
+          </a:bodyPr>
+          <a:lstStyle/>
+          <a:p>
+            <a:pPr algn="ctr"/>
+            <a:r>
+              <a:rPr lang="ko-KR" altLang="en-US" sz="1400" b="1" dirty="0"/>
+              <a:t>서버</a:t>
+            </a:r>
+          </a:p>
+        </p:txBody>
+      </p:sp>
+      <p:sp>
+        <p:nvSpPr>
+          <p:cNvPr id="9" name="직사각형 8">
+            <a:extLst>
+              <a:ext uri="{FF2B5EF4-FFF2-40B4-BE49-F238E27FC236}">
+                <a16:creationId xmlns:a16="http://schemas.microsoft.com/office/drawing/2014/main" id="{B5CA2472-8251-2A9E-0241-7E4EB83C6F29}"/>
+              </a:ext>
+            </a:extLst>
+          </p:cNvPr>
+          <p:cNvSpPr/>
+          <p:nvPr/>
+        </p:nvSpPr>
+        <p:spPr>
+          <a:xfrm>
+            <a:off x="5905778" y="2252870"/>
+            <a:ext cx="1703830" cy="1046771"/>
+          </a:xfrm>
+          <a:prstGeom prst="rect">
+            <a:avLst/>
+          </a:prstGeom>
+          <a:solidFill>
+            <a:schemeClr val="bg1">
+              <a:lumMod val="95000"/>
+            </a:schemeClr>
+          </a:solidFill>
+          <a:ln>
+            <a:solidFill>
+              <a:schemeClr val="tx1"/>
+            </a:solidFill>
+          </a:ln>
+        </p:spPr>
+        <p:style>
+          <a:lnRef idx="2">
+            <a:schemeClr val="accent1">
+              <a:shade val="50000"/>
+            </a:schemeClr>
+          </a:lnRef>
+          <a:fillRef idx="1">
+            <a:schemeClr val="accent1"/>
+          </a:fillRef>
+          <a:effectRef idx="0">
+            <a:schemeClr val="accent1"/>
+          </a:effectRef>
+          <a:fontRef idx="minor">
+            <a:schemeClr val="lt1"/>
+          </a:fontRef>
+        </p:style>
+        <p:txBody>
+          <a:bodyPr rtlCol="0" anchor="ctr"/>
+          <a:lstStyle/>
+          <a:p>
+            <a:pPr algn="ctr"/>
+            <a:r>
+              <a:rPr lang="en-US" altLang="ko-KR" sz="1400" dirty="0">
+                <a:solidFill>
+                  <a:schemeClr val="tx1"/>
+                </a:solidFill>
+              </a:rPr>
+              <a:t>Matching</a:t>
+            </a:r>
+            <a:r>
+              <a:rPr lang="en-US" altLang="ko-KR" sz="1400" dirty="0">
+                <a:solidFill>
+                  <a:schemeClr val="tx1"/>
+                </a:solidFill>
+                <a:latin typeface="+mn-ea"/>
+              </a:rPr>
+              <a:t> Thread</a:t>
+            </a:r>
+            <a:endParaRPr lang="ko-KR" altLang="en-US" sz="1400" dirty="0">
+              <a:solidFill>
+                <a:schemeClr val="tx1"/>
+              </a:solidFill>
+              <a:latin typeface="+mn-ea"/>
+            </a:endParaRPr>
+          </a:p>
+        </p:txBody>
+      </p:sp>
+      <p:cxnSp>
+        <p:nvCxnSpPr>
+          <p:cNvPr id="12" name="직선 화살표 연결선 11">
+            <a:extLst>
+              <a:ext uri="{FF2B5EF4-FFF2-40B4-BE49-F238E27FC236}">
+                <a16:creationId xmlns:a16="http://schemas.microsoft.com/office/drawing/2014/main" id="{864A8404-DDF2-0068-248A-82492BC1B80E}"/>
+              </a:ext>
+            </a:extLst>
+          </p:cNvPr>
+          <p:cNvCxnSpPr>
+            <a:cxnSpLocks/>
+            <a:endCxn id="32" idx="1"/>
+          </p:cNvCxnSpPr>
+          <p:nvPr/>
+        </p:nvCxnSpPr>
+        <p:spPr>
+          <a:xfrm flipV="1">
+            <a:off x="3478345" y="1769163"/>
+            <a:ext cx="2427433" cy="241844"/>
+          </a:xfrm>
+          <a:prstGeom prst="straightConnector1">
+            <a:avLst/>
+          </a:prstGeom>
+          <a:ln>
+            <a:tailEnd type="triangle"/>
+          </a:ln>
+        </p:spPr>
+        <p:style>
+          <a:lnRef idx="1">
+            <a:schemeClr val="dk1"/>
+          </a:lnRef>
+          <a:fillRef idx="0">
+            <a:schemeClr val="dk1"/>
+          </a:fillRef>
+          <a:effectRef idx="0">
+            <a:schemeClr val="dk1"/>
+          </a:effectRef>
+          <a:fontRef idx="minor">
+            <a:schemeClr val="tx1"/>
+          </a:fontRef>
+        </p:style>
+      </p:cxnSp>
+      <p:cxnSp>
+        <p:nvCxnSpPr>
+          <p:cNvPr id="14" name="직선 화살표 연결선 13">
+            <a:extLst>
+              <a:ext uri="{FF2B5EF4-FFF2-40B4-BE49-F238E27FC236}">
+                <a16:creationId xmlns:a16="http://schemas.microsoft.com/office/drawing/2014/main" id="{A165D55F-BA16-AB79-4019-4C3A7B95206E}"/>
+              </a:ext>
+            </a:extLst>
+          </p:cNvPr>
+          <p:cNvCxnSpPr>
+            <a:cxnSpLocks/>
+            <a:stCxn id="9" idx="2"/>
+          </p:cNvCxnSpPr>
+          <p:nvPr/>
+        </p:nvCxnSpPr>
+        <p:spPr>
+          <a:xfrm>
+            <a:off x="6757693" y="3299641"/>
+            <a:ext cx="0" cy="405327"/>
+          </a:xfrm>
+          <a:prstGeom prst="straightConnector1">
+            <a:avLst/>
+          </a:prstGeom>
+          <a:ln>
+            <a:tailEnd type="triangle"/>
+          </a:ln>
+        </p:spPr>
+        <p:style>
+          <a:lnRef idx="1">
+            <a:schemeClr val="dk1"/>
+          </a:lnRef>
+          <a:fillRef idx="0">
+            <a:schemeClr val="dk1"/>
+          </a:fillRef>
+          <a:effectRef idx="0">
+            <a:schemeClr val="dk1"/>
+          </a:effectRef>
+          <a:fontRef idx="minor">
+            <a:schemeClr val="tx1"/>
+          </a:fontRef>
+        </p:style>
+      </p:cxnSp>
+      <p:sp>
+        <p:nvSpPr>
+          <p:cNvPr id="29" name="직사각형 28">
+            <a:extLst>
+              <a:ext uri="{FF2B5EF4-FFF2-40B4-BE49-F238E27FC236}">
+                <a16:creationId xmlns:a16="http://schemas.microsoft.com/office/drawing/2014/main" id="{AD0DC80E-1F11-A9C3-6275-FA86408E7863}"/>
+              </a:ext>
+            </a:extLst>
+          </p:cNvPr>
+          <p:cNvSpPr/>
+          <p:nvPr/>
+        </p:nvSpPr>
+        <p:spPr>
+          <a:xfrm>
+            <a:off x="1748700" y="792176"/>
+            <a:ext cx="1703830" cy="419050"/>
+          </a:xfrm>
+          <a:prstGeom prst="rect">
+            <a:avLst/>
+          </a:prstGeom>
+          <a:solidFill>
+            <a:schemeClr val="bg1">
+              <a:lumMod val="95000"/>
+            </a:schemeClr>
+          </a:solidFill>
+          <a:ln>
+            <a:solidFill>
+              <a:schemeClr val="tx1"/>
+            </a:solidFill>
+          </a:ln>
+        </p:spPr>
+        <p:style>
+          <a:lnRef idx="2">
+            <a:schemeClr val="accent1">
+              <a:shade val="50000"/>
+            </a:schemeClr>
+          </a:lnRef>
+          <a:fillRef idx="1">
+            <a:schemeClr val="accent1"/>
+          </a:fillRef>
+          <a:effectRef idx="0">
+            <a:schemeClr val="accent1"/>
+          </a:effectRef>
+          <a:fontRef idx="minor">
+            <a:schemeClr val="lt1"/>
+          </a:fontRef>
+        </p:style>
+        <p:txBody>
+          <a:bodyPr rtlCol="0" anchor="ctr"/>
+          <a:lstStyle/>
+          <a:p>
+            <a:pPr algn="ctr"/>
+            <a:r>
+              <a:rPr lang="ko-KR" altLang="en-US" sz="1400" dirty="0">
+                <a:solidFill>
+                  <a:schemeClr val="tx1"/>
+                </a:solidFill>
+              </a:rPr>
+              <a:t>클라이언트 실행</a:t>
+            </a:r>
+          </a:p>
+        </p:txBody>
+      </p:sp>
+      <p:sp>
+        <p:nvSpPr>
+          <p:cNvPr id="32" name="직사각형 31">
+            <a:extLst>
+              <a:ext uri="{FF2B5EF4-FFF2-40B4-BE49-F238E27FC236}">
+                <a16:creationId xmlns:a16="http://schemas.microsoft.com/office/drawing/2014/main" id="{FD06AB1E-ED24-0476-7B0D-C6D224D1BC93}"/>
+              </a:ext>
+            </a:extLst>
+          </p:cNvPr>
+          <p:cNvSpPr/>
+          <p:nvPr/>
+        </p:nvSpPr>
+        <p:spPr>
+          <a:xfrm>
+            <a:off x="5905778" y="1497176"/>
+            <a:ext cx="1703830" cy="543974"/>
+          </a:xfrm>
+          <a:prstGeom prst="rect">
+            <a:avLst/>
+          </a:prstGeom>
+          <a:solidFill>
+            <a:schemeClr val="bg1">
+              <a:lumMod val="95000"/>
+            </a:schemeClr>
+          </a:solidFill>
+          <a:ln>
+            <a:solidFill>
+              <a:schemeClr val="tx1"/>
+            </a:solidFill>
+          </a:ln>
+        </p:spPr>
+        <p:style>
+          <a:lnRef idx="2">
+            <a:schemeClr val="accent1">
+              <a:shade val="50000"/>
+            </a:schemeClr>
+          </a:lnRef>
+          <a:fillRef idx="1">
+            <a:schemeClr val="accent1"/>
+          </a:fillRef>
+          <a:effectRef idx="0">
+            <a:schemeClr val="accent1"/>
+          </a:effectRef>
+          <a:fontRef idx="minor">
+            <a:schemeClr val="lt1"/>
+          </a:fontRef>
+        </p:style>
+        <p:txBody>
+          <a:bodyPr rtlCol="0" anchor="ctr"/>
+          <a:lstStyle/>
+          <a:p>
+            <a:pPr algn="ctr"/>
+            <a:r>
+              <a:rPr lang="en-US" altLang="ko-KR" sz="1400" dirty="0">
+                <a:solidFill>
+                  <a:schemeClr val="tx1"/>
+                </a:solidFill>
+              </a:rPr>
+              <a:t>Listen()</a:t>
+            </a:r>
+            <a:endParaRPr lang="ko-KR" altLang="en-US" sz="1400" dirty="0">
+              <a:solidFill>
+                <a:schemeClr val="tx1"/>
+              </a:solidFill>
+            </a:endParaRPr>
+          </a:p>
+        </p:txBody>
+      </p:sp>
+      <p:cxnSp>
+        <p:nvCxnSpPr>
+          <p:cNvPr id="41" name="직선 화살표 연결선 40">
+            <a:extLst>
+              <a:ext uri="{FF2B5EF4-FFF2-40B4-BE49-F238E27FC236}">
+                <a16:creationId xmlns:a16="http://schemas.microsoft.com/office/drawing/2014/main" id="{8F64B3CA-6F1A-13D6-EC98-68409BC7D6BE}"/>
+              </a:ext>
+            </a:extLst>
+          </p:cNvPr>
+          <p:cNvCxnSpPr>
+            <a:cxnSpLocks/>
+            <a:stCxn id="32" idx="2"/>
+            <a:endCxn id="9" idx="0"/>
+          </p:cNvCxnSpPr>
+          <p:nvPr/>
+        </p:nvCxnSpPr>
+        <p:spPr>
+          <a:xfrm>
+            <a:off x="6757693" y="2041150"/>
+            <a:ext cx="0" cy="211720"/>
+          </a:xfrm>
+          <a:prstGeom prst="straightConnector1">
+            <a:avLst/>
+          </a:prstGeom>
+          <a:ln>
+            <a:tailEnd type="triangle"/>
+          </a:ln>
+        </p:spPr>
+        <p:style>
+          <a:lnRef idx="1">
+            <a:schemeClr val="dk1"/>
+          </a:lnRef>
+          <a:fillRef idx="0">
+            <a:schemeClr val="dk1"/>
+          </a:fillRef>
+          <a:effectRef idx="0">
+            <a:schemeClr val="dk1"/>
+          </a:effectRef>
+          <a:fontRef idx="minor">
+            <a:schemeClr val="tx1"/>
+          </a:fontRef>
+        </p:style>
+      </p:cxnSp>
+      <p:sp>
+        <p:nvSpPr>
+          <p:cNvPr id="2" name="직사각형 1">
+            <a:extLst>
+              <a:ext uri="{FF2B5EF4-FFF2-40B4-BE49-F238E27FC236}">
+                <a16:creationId xmlns:a16="http://schemas.microsoft.com/office/drawing/2014/main" id="{8D2C10D6-CB36-3E43-A1DB-55868A2ACC93}"/>
+              </a:ext>
+            </a:extLst>
+          </p:cNvPr>
+          <p:cNvSpPr/>
+          <p:nvPr/>
+        </p:nvSpPr>
+        <p:spPr>
+          <a:xfrm>
+            <a:off x="1748700" y="1769163"/>
+            <a:ext cx="1703830" cy="1530478"/>
+          </a:xfrm>
+          <a:prstGeom prst="rect">
+            <a:avLst/>
+          </a:prstGeom>
+          <a:solidFill>
+            <a:schemeClr val="bg1">
+              <a:lumMod val="95000"/>
+            </a:schemeClr>
+          </a:solidFill>
+          <a:ln>
+            <a:solidFill>
+              <a:schemeClr val="tx1"/>
+            </a:solidFill>
+          </a:ln>
+        </p:spPr>
+        <p:style>
+          <a:lnRef idx="2">
+            <a:schemeClr val="accent1">
+              <a:shade val="50000"/>
+            </a:schemeClr>
+          </a:lnRef>
+          <a:fillRef idx="1">
+            <a:schemeClr val="accent1"/>
+          </a:fillRef>
+          <a:effectRef idx="0">
+            <a:schemeClr val="accent1"/>
+          </a:effectRef>
+          <a:fontRef idx="minor">
+            <a:schemeClr val="lt1"/>
+          </a:fontRef>
+        </p:style>
+        <p:txBody>
+          <a:bodyPr rtlCol="0" anchor="ctr"/>
+          <a:lstStyle/>
+          <a:p>
+            <a:pPr algn="ctr"/>
+            <a:r>
+              <a:rPr lang="ko-KR" altLang="en-US" sz="1400" dirty="0">
+                <a:solidFill>
+                  <a:schemeClr val="tx1"/>
+                </a:solidFill>
+              </a:rPr>
+              <a:t>타이틀</a:t>
+            </a:r>
+          </a:p>
+        </p:txBody>
+      </p:sp>
+      <p:cxnSp>
+        <p:nvCxnSpPr>
+          <p:cNvPr id="3" name="직선 화살표 연결선 2">
+            <a:extLst>
+              <a:ext uri="{FF2B5EF4-FFF2-40B4-BE49-F238E27FC236}">
+                <a16:creationId xmlns:a16="http://schemas.microsoft.com/office/drawing/2014/main" id="{8A088EC9-A5AD-3516-77CC-BDEC9231A1BF}"/>
+              </a:ext>
+            </a:extLst>
+          </p:cNvPr>
+          <p:cNvCxnSpPr>
+            <a:cxnSpLocks/>
+            <a:endCxn id="2" idx="0"/>
+          </p:cNvCxnSpPr>
+          <p:nvPr/>
+        </p:nvCxnSpPr>
+        <p:spPr>
+          <a:xfrm>
+            <a:off x="2600615" y="1211226"/>
+            <a:ext cx="0" cy="557937"/>
+          </a:xfrm>
+          <a:prstGeom prst="straightConnector1">
+            <a:avLst/>
+          </a:prstGeom>
+          <a:ln>
+            <a:tailEnd type="triangle"/>
+          </a:ln>
+        </p:spPr>
+        <p:style>
+          <a:lnRef idx="1">
+            <a:schemeClr val="dk1"/>
+          </a:lnRef>
+          <a:fillRef idx="0">
+            <a:schemeClr val="dk1"/>
+          </a:fillRef>
+          <a:effectRef idx="0">
+            <a:schemeClr val="dk1"/>
+          </a:effectRef>
+          <a:fontRef idx="minor">
+            <a:schemeClr val="tx1"/>
+          </a:fontRef>
+        </p:style>
+      </p:cxnSp>
+      <p:cxnSp>
+        <p:nvCxnSpPr>
+          <p:cNvPr id="37" name="직선 화살표 연결선 36">
+            <a:extLst>
+              <a:ext uri="{FF2B5EF4-FFF2-40B4-BE49-F238E27FC236}">
+                <a16:creationId xmlns:a16="http://schemas.microsoft.com/office/drawing/2014/main" id="{9427FF0C-40ED-C365-2B15-44AC4ED4862E}"/>
+              </a:ext>
+            </a:extLst>
+          </p:cNvPr>
+          <p:cNvCxnSpPr>
+            <a:cxnSpLocks/>
+          </p:cNvCxnSpPr>
+          <p:nvPr/>
+        </p:nvCxnSpPr>
+        <p:spPr>
+          <a:xfrm flipH="1">
+            <a:off x="3452530" y="2945433"/>
+            <a:ext cx="2427433" cy="0"/>
+          </a:xfrm>
+          <a:prstGeom prst="straightConnector1">
+            <a:avLst/>
+          </a:prstGeom>
+          <a:ln>
+            <a:tailEnd type="triangle"/>
+          </a:ln>
+        </p:spPr>
+        <p:style>
+          <a:lnRef idx="1">
+            <a:schemeClr val="dk1"/>
+          </a:lnRef>
+          <a:fillRef idx="0">
+            <a:schemeClr val="dk1"/>
+          </a:fillRef>
+          <a:effectRef idx="0">
+            <a:schemeClr val="dk1"/>
+          </a:effectRef>
+          <a:fontRef idx="minor">
+            <a:schemeClr val="tx1"/>
+          </a:fontRef>
+        </p:style>
+      </p:cxnSp>
+      <p:sp>
+        <p:nvSpPr>
+          <p:cNvPr id="40" name="직사각형 39">
+            <a:extLst>
+              <a:ext uri="{FF2B5EF4-FFF2-40B4-BE49-F238E27FC236}">
+                <a16:creationId xmlns:a16="http://schemas.microsoft.com/office/drawing/2014/main" id="{F76A38EA-D4A3-8C00-F02C-AAE2E5224A5D}"/>
+              </a:ext>
+            </a:extLst>
+          </p:cNvPr>
+          <p:cNvSpPr/>
+          <p:nvPr/>
+        </p:nvSpPr>
+        <p:spPr>
+          <a:xfrm>
+            <a:off x="1867352" y="3698137"/>
+            <a:ext cx="5575852" cy="419050"/>
+          </a:xfrm>
+          <a:prstGeom prst="rect">
+            <a:avLst/>
+          </a:prstGeom>
+          <a:solidFill>
+            <a:schemeClr val="accent4">
+              <a:lumMod val="60000"/>
+              <a:lumOff val="40000"/>
+            </a:schemeClr>
+          </a:solidFill>
+          <a:ln>
+            <a:solidFill>
+              <a:schemeClr val="tx1"/>
+            </a:solidFill>
+          </a:ln>
+        </p:spPr>
+        <p:style>
+          <a:lnRef idx="2">
+            <a:schemeClr val="accent1">
+              <a:shade val="50000"/>
+            </a:schemeClr>
+          </a:lnRef>
+          <a:fillRef idx="1">
+            <a:schemeClr val="accent1"/>
+          </a:fillRef>
+          <a:effectRef idx="0">
+            <a:schemeClr val="accent1"/>
+          </a:effectRef>
+          <a:fontRef idx="minor">
+            <a:schemeClr val="lt1"/>
+          </a:fontRef>
+        </p:style>
+        <p:txBody>
+          <a:bodyPr rtlCol="0" anchor="ctr"/>
+          <a:lstStyle/>
+          <a:p>
+            <a:pPr algn="ctr"/>
+            <a:r>
+              <a:rPr lang="ko-KR" altLang="en-US" sz="1400" dirty="0">
+                <a:solidFill>
+                  <a:schemeClr val="tx1"/>
+                </a:solidFill>
+              </a:rPr>
+              <a:t>게임 시작</a:t>
+            </a:r>
+          </a:p>
+        </p:txBody>
+      </p:sp>
+      <p:cxnSp>
+        <p:nvCxnSpPr>
+          <p:cNvPr id="42" name="직선 화살표 연결선 41">
+            <a:extLst>
+              <a:ext uri="{FF2B5EF4-FFF2-40B4-BE49-F238E27FC236}">
+                <a16:creationId xmlns:a16="http://schemas.microsoft.com/office/drawing/2014/main" id="{81E4047C-8D2D-6720-D660-C6434722C67E}"/>
+              </a:ext>
+            </a:extLst>
+          </p:cNvPr>
+          <p:cNvCxnSpPr>
+            <a:cxnSpLocks/>
+            <a:stCxn id="2" idx="2"/>
+          </p:cNvCxnSpPr>
+          <p:nvPr/>
+        </p:nvCxnSpPr>
+        <p:spPr>
+          <a:xfrm>
+            <a:off x="2600615" y="3299641"/>
+            <a:ext cx="0" cy="405327"/>
+          </a:xfrm>
+          <a:prstGeom prst="straightConnector1">
+            <a:avLst/>
+          </a:prstGeom>
+          <a:ln>
+            <a:tailEnd type="triangle"/>
+          </a:ln>
+        </p:spPr>
+        <p:style>
+          <a:lnRef idx="1">
+            <a:schemeClr val="dk1"/>
+          </a:lnRef>
+          <a:fillRef idx="0">
+            <a:schemeClr val="dk1"/>
+          </a:fillRef>
+          <a:effectRef idx="0">
+            <a:schemeClr val="dk1"/>
+          </a:effectRef>
+          <a:fontRef idx="minor">
+            <a:schemeClr val="tx1"/>
+          </a:fontRef>
+        </p:style>
+      </p:cxnSp>
+      <p:sp>
+        <p:nvSpPr>
+          <p:cNvPr id="50" name="TextBox 49">
+            <a:extLst>
+              <a:ext uri="{FF2B5EF4-FFF2-40B4-BE49-F238E27FC236}">
+                <a16:creationId xmlns:a16="http://schemas.microsoft.com/office/drawing/2014/main" id="{7666D5C6-C1FC-051D-0AD8-42CF5BFC3BF7}"/>
+              </a:ext>
+            </a:extLst>
+          </p:cNvPr>
+          <p:cNvSpPr txBox="1"/>
+          <p:nvPr/>
+        </p:nvSpPr>
+        <p:spPr>
+          <a:xfrm>
+            <a:off x="1655030" y="1524804"/>
+            <a:ext cx="6096000" cy="276999"/>
+          </a:xfrm>
+          <a:prstGeom prst="rect">
+            <a:avLst/>
+          </a:prstGeom>
+          <a:noFill/>
+        </p:spPr>
+        <p:txBody>
+          <a:bodyPr wrap="square">
+            <a:spAutoFit/>
+          </a:bodyPr>
+          <a:lstStyle/>
+          <a:p>
+            <a:pPr algn="ctr"/>
+            <a:r>
+              <a:rPr lang="en-US" altLang="ko-KR" sz="1200" dirty="0">
+                <a:solidFill>
+                  <a:schemeClr val="tx1"/>
+                </a:solidFill>
+              </a:rPr>
+              <a:t>connect()</a:t>
+            </a:r>
+            <a:endParaRPr lang="ko-KR" altLang="en-US" sz="1200" dirty="0">
+              <a:solidFill>
+                <a:schemeClr val="tx1"/>
+              </a:solidFill>
+            </a:endParaRPr>
+          </a:p>
+        </p:txBody>
+      </p:sp>
+      <p:sp>
+        <p:nvSpPr>
+          <p:cNvPr id="67" name="직사각형 66">
+            <a:extLst>
+              <a:ext uri="{FF2B5EF4-FFF2-40B4-BE49-F238E27FC236}">
+                <a16:creationId xmlns:a16="http://schemas.microsoft.com/office/drawing/2014/main" id="{022A5691-5350-F195-6DAB-DF7FB63C3BD3}"/>
+              </a:ext>
+            </a:extLst>
+          </p:cNvPr>
+          <p:cNvSpPr/>
+          <p:nvPr/>
+        </p:nvSpPr>
+        <p:spPr>
+          <a:xfrm>
+            <a:off x="5879963" y="4508792"/>
+            <a:ext cx="1703830" cy="419050"/>
+          </a:xfrm>
+          <a:prstGeom prst="rect">
+            <a:avLst/>
+          </a:prstGeom>
+          <a:solidFill>
+            <a:schemeClr val="bg1">
+              <a:lumMod val="95000"/>
+            </a:schemeClr>
+          </a:solidFill>
+          <a:ln>
+            <a:solidFill>
+              <a:schemeClr val="tx1"/>
+            </a:solidFill>
+          </a:ln>
+        </p:spPr>
+        <p:style>
+          <a:lnRef idx="2">
+            <a:schemeClr val="accent1">
+              <a:shade val="50000"/>
+            </a:schemeClr>
+          </a:lnRef>
+          <a:fillRef idx="1">
+            <a:schemeClr val="accent1"/>
+          </a:fillRef>
+          <a:effectRef idx="0">
+            <a:schemeClr val="accent1"/>
+          </a:effectRef>
+          <a:fontRef idx="minor">
+            <a:schemeClr val="lt1"/>
+          </a:fontRef>
+        </p:style>
+        <p:txBody>
+          <a:bodyPr rtlCol="0" anchor="ctr"/>
+          <a:lstStyle/>
+          <a:p>
+            <a:pPr algn="ctr"/>
+            <a:r>
+              <a:rPr lang="en-US" altLang="ko-KR" sz="1400" kern="0" dirty="0">
+                <a:solidFill>
+                  <a:srgbClr val="000000"/>
+                </a:solidFill>
+                <a:effectLst/>
+                <a:latin typeface="+mn-ea"/>
+                <a:cs typeface="돋움체" panose="020B0609000101010101" pitchFamily="49" charset="-127"/>
+              </a:rPr>
+              <a:t>Process Thread</a:t>
+            </a:r>
+            <a:endParaRPr lang="ko-KR" altLang="en-US" sz="1400" dirty="0">
+              <a:solidFill>
+                <a:schemeClr val="tx1"/>
+              </a:solidFill>
+              <a:latin typeface="+mn-ea"/>
+            </a:endParaRPr>
+          </a:p>
+        </p:txBody>
+      </p:sp>
+      <p:cxnSp>
+        <p:nvCxnSpPr>
+          <p:cNvPr id="76" name="직선 화살표 연결선 75">
+            <a:extLst>
+              <a:ext uri="{FF2B5EF4-FFF2-40B4-BE49-F238E27FC236}">
+                <a16:creationId xmlns:a16="http://schemas.microsoft.com/office/drawing/2014/main" id="{D15812D8-D484-EE3C-71B0-9DDEE25351DB}"/>
+              </a:ext>
+            </a:extLst>
+          </p:cNvPr>
+          <p:cNvCxnSpPr>
+            <a:cxnSpLocks/>
+          </p:cNvCxnSpPr>
+          <p:nvPr/>
+        </p:nvCxnSpPr>
+        <p:spPr>
+          <a:xfrm>
+            <a:off x="6757693" y="4131585"/>
+            <a:ext cx="0" cy="382531"/>
+          </a:xfrm>
+          <a:prstGeom prst="straightConnector1">
+            <a:avLst/>
+          </a:prstGeom>
+          <a:ln>
+            <a:tailEnd type="triangle"/>
+          </a:ln>
+        </p:spPr>
+        <p:style>
+          <a:lnRef idx="1">
+            <a:schemeClr val="dk1"/>
+          </a:lnRef>
+          <a:fillRef idx="0">
+            <a:schemeClr val="dk1"/>
+          </a:fillRef>
+          <a:effectRef idx="0">
+            <a:schemeClr val="dk1"/>
+          </a:effectRef>
+          <a:fontRef idx="minor">
+            <a:schemeClr val="tx1"/>
+          </a:fontRef>
+        </p:style>
+      </p:cxnSp>
+      <p:sp>
+        <p:nvSpPr>
+          <p:cNvPr id="79" name="직사각형 78">
+            <a:extLst>
+              <a:ext uri="{FF2B5EF4-FFF2-40B4-BE49-F238E27FC236}">
+                <a16:creationId xmlns:a16="http://schemas.microsoft.com/office/drawing/2014/main" id="{D340324A-D33E-2025-FAD2-5428E997C853}"/>
+              </a:ext>
+            </a:extLst>
+          </p:cNvPr>
+          <p:cNvSpPr/>
+          <p:nvPr/>
+        </p:nvSpPr>
+        <p:spPr>
+          <a:xfrm>
+            <a:off x="1748700" y="4545805"/>
+            <a:ext cx="1703830" cy="419050"/>
+          </a:xfrm>
+          <a:prstGeom prst="rect">
+            <a:avLst/>
+          </a:prstGeom>
+          <a:solidFill>
+            <a:schemeClr val="bg1">
+              <a:lumMod val="95000"/>
+            </a:schemeClr>
+          </a:solidFill>
+          <a:ln>
+            <a:solidFill>
+              <a:schemeClr val="tx1"/>
+            </a:solidFill>
+          </a:ln>
+        </p:spPr>
+        <p:style>
+          <a:lnRef idx="2">
+            <a:schemeClr val="accent1">
+              <a:shade val="50000"/>
+            </a:schemeClr>
+          </a:lnRef>
+          <a:fillRef idx="1">
+            <a:schemeClr val="accent1"/>
+          </a:fillRef>
+          <a:effectRef idx="0">
+            <a:schemeClr val="accent1"/>
+          </a:effectRef>
+          <a:fontRef idx="minor">
+            <a:schemeClr val="lt1"/>
+          </a:fontRef>
+        </p:style>
+        <p:txBody>
+          <a:bodyPr rtlCol="0" anchor="ctr"/>
+          <a:lstStyle/>
+          <a:p>
+            <a:pPr algn="ctr"/>
+            <a:r>
+              <a:rPr lang="en-US" altLang="ko-KR" sz="1400" dirty="0">
+                <a:solidFill>
+                  <a:schemeClr val="tx1"/>
+                </a:solidFill>
+              </a:rPr>
+              <a:t>Input Data(Player)</a:t>
+            </a:r>
+            <a:endParaRPr lang="ko-KR" altLang="en-US" sz="1400" dirty="0">
+              <a:solidFill>
+                <a:schemeClr val="tx1"/>
+              </a:solidFill>
+            </a:endParaRPr>
+          </a:p>
+        </p:txBody>
+      </p:sp>
+      <p:cxnSp>
+        <p:nvCxnSpPr>
+          <p:cNvPr id="80" name="직선 화살표 연결선 79">
+            <a:extLst>
+              <a:ext uri="{FF2B5EF4-FFF2-40B4-BE49-F238E27FC236}">
+                <a16:creationId xmlns:a16="http://schemas.microsoft.com/office/drawing/2014/main" id="{8FE48120-43EC-2E9E-4739-8D9E98F59861}"/>
+              </a:ext>
+            </a:extLst>
+          </p:cNvPr>
+          <p:cNvCxnSpPr>
+            <a:cxnSpLocks/>
+          </p:cNvCxnSpPr>
+          <p:nvPr/>
+        </p:nvCxnSpPr>
+        <p:spPr>
+          <a:xfrm>
+            <a:off x="2578680" y="4131585"/>
+            <a:ext cx="0" cy="405053"/>
+          </a:xfrm>
+          <a:prstGeom prst="straightConnector1">
+            <a:avLst/>
+          </a:prstGeom>
+          <a:ln>
+            <a:tailEnd type="triangle"/>
+          </a:ln>
+        </p:spPr>
+        <p:style>
+          <a:lnRef idx="1">
+            <a:schemeClr val="dk1"/>
+          </a:lnRef>
+          <a:fillRef idx="0">
+            <a:schemeClr val="dk1"/>
+          </a:fillRef>
+          <a:effectRef idx="0">
+            <a:schemeClr val="dk1"/>
+          </a:effectRef>
+          <a:fontRef idx="minor">
+            <a:schemeClr val="tx1"/>
+          </a:fontRef>
+        </p:style>
+      </p:cxnSp>
+      <p:cxnSp>
+        <p:nvCxnSpPr>
+          <p:cNvPr id="82" name="직선 화살표 연결선 81">
+            <a:extLst>
+              <a:ext uri="{FF2B5EF4-FFF2-40B4-BE49-F238E27FC236}">
+                <a16:creationId xmlns:a16="http://schemas.microsoft.com/office/drawing/2014/main" id="{E1BE477F-D0F8-66E0-239A-D464CB3797F8}"/>
+              </a:ext>
+            </a:extLst>
+          </p:cNvPr>
+          <p:cNvCxnSpPr>
+            <a:cxnSpLocks/>
+            <a:stCxn id="79" idx="3"/>
+          </p:cNvCxnSpPr>
+          <p:nvPr/>
+        </p:nvCxnSpPr>
+        <p:spPr>
+          <a:xfrm flipV="1">
+            <a:off x="3452530" y="4736097"/>
+            <a:ext cx="2405498" cy="19233"/>
+          </a:xfrm>
+          <a:prstGeom prst="straightConnector1">
+            <a:avLst/>
+          </a:prstGeom>
+          <a:ln>
+            <a:tailEnd type="triangle"/>
+          </a:ln>
+        </p:spPr>
+        <p:style>
+          <a:lnRef idx="1">
+            <a:schemeClr val="dk1"/>
+          </a:lnRef>
+          <a:fillRef idx="0">
+            <a:schemeClr val="dk1"/>
+          </a:fillRef>
+          <a:effectRef idx="0">
+            <a:schemeClr val="dk1"/>
+          </a:effectRef>
+          <a:fontRef idx="minor">
+            <a:schemeClr val="tx1"/>
+          </a:fontRef>
+        </p:style>
+      </p:cxnSp>
+      <p:sp>
+        <p:nvSpPr>
+          <p:cNvPr id="85" name="직사각형 84">
+            <a:extLst>
+              <a:ext uri="{FF2B5EF4-FFF2-40B4-BE49-F238E27FC236}">
+                <a16:creationId xmlns:a16="http://schemas.microsoft.com/office/drawing/2014/main" id="{17FF7395-78D6-36AD-815B-7958A01E514F}"/>
+              </a:ext>
+            </a:extLst>
+          </p:cNvPr>
+          <p:cNvSpPr/>
+          <p:nvPr/>
+        </p:nvSpPr>
+        <p:spPr>
+          <a:xfrm>
+            <a:off x="5884306" y="5198626"/>
+            <a:ext cx="1703830" cy="592629"/>
+          </a:xfrm>
+          <a:prstGeom prst="rect">
+            <a:avLst/>
+          </a:prstGeom>
+          <a:solidFill>
+            <a:schemeClr val="bg1">
+              <a:lumMod val="95000"/>
+            </a:schemeClr>
+          </a:solidFill>
+          <a:ln>
+            <a:solidFill>
+              <a:schemeClr val="tx1"/>
+            </a:solidFill>
+          </a:ln>
+        </p:spPr>
+        <p:style>
+          <a:lnRef idx="2">
+            <a:schemeClr val="accent1">
+              <a:shade val="50000"/>
+            </a:schemeClr>
+          </a:lnRef>
+          <a:fillRef idx="1">
+            <a:schemeClr val="accent1"/>
+          </a:fillRef>
+          <a:effectRef idx="0">
+            <a:schemeClr val="accent1"/>
+          </a:effectRef>
+          <a:fontRef idx="minor">
+            <a:schemeClr val="lt1"/>
+          </a:fontRef>
+        </p:style>
+        <p:txBody>
+          <a:bodyPr rtlCol="0" anchor="ctr"/>
+          <a:lstStyle/>
+          <a:p>
+            <a:pPr algn="ctr"/>
+            <a:r>
+              <a:rPr lang="en-US" altLang="ko-KR" sz="1400" dirty="0">
+                <a:solidFill>
+                  <a:schemeClr val="tx1"/>
+                </a:solidFill>
+              </a:rPr>
+              <a:t>Game Thread(Update)</a:t>
+            </a:r>
+            <a:endParaRPr lang="ko-KR" altLang="en-US" sz="1400" dirty="0">
+              <a:solidFill>
+                <a:schemeClr val="tx1"/>
+              </a:solidFill>
+            </a:endParaRPr>
+          </a:p>
+        </p:txBody>
+      </p:sp>
+      <p:cxnSp>
+        <p:nvCxnSpPr>
+          <p:cNvPr id="89" name="직선 화살표 연결선 88">
+            <a:extLst>
+              <a:ext uri="{FF2B5EF4-FFF2-40B4-BE49-F238E27FC236}">
+                <a16:creationId xmlns:a16="http://schemas.microsoft.com/office/drawing/2014/main" id="{842962C0-07BE-ED1B-CD66-694A19FF9614}"/>
+              </a:ext>
+            </a:extLst>
+          </p:cNvPr>
+          <p:cNvCxnSpPr>
+            <a:cxnSpLocks/>
+            <a:stCxn id="67" idx="2"/>
+            <a:endCxn id="85" idx="0"/>
+          </p:cNvCxnSpPr>
+          <p:nvPr/>
+        </p:nvCxnSpPr>
+        <p:spPr>
+          <a:xfrm>
+            <a:off x="6731878" y="4927842"/>
+            <a:ext cx="4343" cy="270784"/>
+          </a:xfrm>
+          <a:prstGeom prst="straightConnector1">
+            <a:avLst/>
+          </a:prstGeom>
+          <a:ln>
+            <a:headEnd type="triangle"/>
+            <a:tailEnd type="triangle"/>
+          </a:ln>
+        </p:spPr>
+        <p:style>
+          <a:lnRef idx="1">
+            <a:schemeClr val="dk1"/>
+          </a:lnRef>
+          <a:fillRef idx="0">
+            <a:schemeClr val="dk1"/>
+          </a:fillRef>
+          <a:effectRef idx="0">
+            <a:schemeClr val="dk1"/>
+          </a:effectRef>
+          <a:fontRef idx="minor">
+            <a:schemeClr val="tx1"/>
+          </a:fontRef>
+        </p:style>
+      </p:cxnSp>
+      <p:sp>
+        <p:nvSpPr>
+          <p:cNvPr id="90" name="TextBox 89">
+            <a:extLst>
+              <a:ext uri="{FF2B5EF4-FFF2-40B4-BE49-F238E27FC236}">
+                <a16:creationId xmlns:a16="http://schemas.microsoft.com/office/drawing/2014/main" id="{6950DCE3-C164-F8E0-77BE-968756A6D605}"/>
+              </a:ext>
+            </a:extLst>
+          </p:cNvPr>
+          <p:cNvSpPr txBox="1"/>
+          <p:nvPr/>
+        </p:nvSpPr>
+        <p:spPr>
+          <a:xfrm>
+            <a:off x="4130042" y="4912612"/>
+            <a:ext cx="6096000" cy="276999"/>
+          </a:xfrm>
+          <a:prstGeom prst="rect">
+            <a:avLst/>
+          </a:prstGeom>
+          <a:noFill/>
+        </p:spPr>
+        <p:txBody>
+          <a:bodyPr wrap="square">
+            <a:spAutoFit/>
+          </a:bodyPr>
+          <a:lstStyle/>
+          <a:p>
+            <a:pPr algn="ctr"/>
+            <a:r>
+              <a:rPr lang="en-US" altLang="ko-KR" sz="1200" dirty="0"/>
+              <a:t>Scene Data</a:t>
+            </a:r>
+            <a:endParaRPr lang="ko-KR" altLang="en-US" sz="1200" dirty="0">
+              <a:solidFill>
+                <a:schemeClr val="tx1"/>
+              </a:solidFill>
+            </a:endParaRPr>
+          </a:p>
+        </p:txBody>
+      </p:sp>
+      <p:sp>
+        <p:nvSpPr>
+          <p:cNvPr id="99" name="직사각형 98">
+            <a:extLst>
+              <a:ext uri="{FF2B5EF4-FFF2-40B4-BE49-F238E27FC236}">
+                <a16:creationId xmlns:a16="http://schemas.microsoft.com/office/drawing/2014/main" id="{58769E23-D519-0B90-026D-DA039564107E}"/>
+              </a:ext>
+            </a:extLst>
+          </p:cNvPr>
+          <p:cNvSpPr/>
+          <p:nvPr/>
+        </p:nvSpPr>
+        <p:spPr>
+          <a:xfrm>
+            <a:off x="5889315" y="5949126"/>
+            <a:ext cx="1703830" cy="419050"/>
+          </a:xfrm>
+          <a:prstGeom prst="rect">
+            <a:avLst/>
+          </a:prstGeom>
+          <a:solidFill>
+            <a:schemeClr val="bg1">
+              <a:lumMod val="95000"/>
+            </a:schemeClr>
+          </a:solidFill>
+          <a:ln>
+            <a:solidFill>
+              <a:schemeClr val="tx1"/>
+            </a:solidFill>
+          </a:ln>
+        </p:spPr>
+        <p:style>
+          <a:lnRef idx="2">
+            <a:schemeClr val="accent1">
+              <a:shade val="50000"/>
+            </a:schemeClr>
+          </a:lnRef>
+          <a:fillRef idx="1">
+            <a:schemeClr val="accent1"/>
+          </a:fillRef>
+          <a:effectRef idx="0">
+            <a:schemeClr val="accent1"/>
+          </a:effectRef>
+          <a:fontRef idx="minor">
+            <a:schemeClr val="lt1"/>
+          </a:fontRef>
+        </p:style>
+        <p:txBody>
+          <a:bodyPr rtlCol="0" anchor="ctr"/>
+          <a:lstStyle/>
+          <a:p>
+            <a:pPr algn="ctr"/>
+            <a:r>
+              <a:rPr lang="en-US" altLang="ko-KR" sz="1400" kern="0" dirty="0">
+                <a:solidFill>
+                  <a:srgbClr val="000000"/>
+                </a:solidFill>
+                <a:effectLst/>
+                <a:latin typeface="+mn-ea"/>
+                <a:cs typeface="돋움체" panose="020B0609000101010101" pitchFamily="49" charset="-127"/>
+              </a:rPr>
+              <a:t>Process Thread</a:t>
+            </a:r>
+            <a:endParaRPr lang="ko-KR" altLang="en-US" sz="1400" dirty="0">
+              <a:solidFill>
+                <a:schemeClr val="tx1"/>
+              </a:solidFill>
+              <a:latin typeface="+mn-ea"/>
+            </a:endParaRPr>
+          </a:p>
+        </p:txBody>
+      </p:sp>
+      <p:cxnSp>
+        <p:nvCxnSpPr>
+          <p:cNvPr id="100" name="직선 화살표 연결선 99">
+            <a:extLst>
+              <a:ext uri="{FF2B5EF4-FFF2-40B4-BE49-F238E27FC236}">
+                <a16:creationId xmlns:a16="http://schemas.microsoft.com/office/drawing/2014/main" id="{700372D8-BF6E-5AA2-C099-62FF69894706}"/>
+              </a:ext>
+            </a:extLst>
+          </p:cNvPr>
+          <p:cNvCxnSpPr>
+            <a:cxnSpLocks/>
+            <a:stCxn id="85" idx="2"/>
+            <a:endCxn id="99" idx="0"/>
+          </p:cNvCxnSpPr>
+          <p:nvPr/>
+        </p:nvCxnSpPr>
+        <p:spPr>
+          <a:xfrm>
+            <a:off x="6736221" y="5791255"/>
+            <a:ext cx="5009" cy="157871"/>
+          </a:xfrm>
+          <a:prstGeom prst="straightConnector1">
+            <a:avLst/>
+          </a:prstGeom>
+          <a:ln>
+            <a:tailEnd type="triangle"/>
+          </a:ln>
+        </p:spPr>
+        <p:style>
+          <a:lnRef idx="1">
+            <a:schemeClr val="dk1"/>
+          </a:lnRef>
+          <a:fillRef idx="0">
+            <a:schemeClr val="dk1"/>
+          </a:fillRef>
+          <a:effectRef idx="0">
+            <a:schemeClr val="dk1"/>
+          </a:effectRef>
+          <a:fontRef idx="minor">
+            <a:schemeClr val="tx1"/>
+          </a:fontRef>
+        </p:style>
+      </p:cxnSp>
+      <p:sp>
+        <p:nvSpPr>
+          <p:cNvPr id="103" name="직사각형 102">
+            <a:extLst>
+              <a:ext uri="{FF2B5EF4-FFF2-40B4-BE49-F238E27FC236}">
+                <a16:creationId xmlns:a16="http://schemas.microsoft.com/office/drawing/2014/main" id="{CEAE557C-AC7E-D0B8-D535-852D2F2B7A2C}"/>
+              </a:ext>
+            </a:extLst>
+          </p:cNvPr>
+          <p:cNvSpPr/>
+          <p:nvPr/>
+        </p:nvSpPr>
+        <p:spPr>
+          <a:xfrm>
+            <a:off x="1726765" y="5910809"/>
+            <a:ext cx="1703830" cy="419050"/>
+          </a:xfrm>
+          <a:prstGeom prst="rect">
+            <a:avLst/>
+          </a:prstGeom>
+          <a:solidFill>
+            <a:schemeClr val="bg1">
+              <a:lumMod val="95000"/>
+            </a:schemeClr>
+          </a:solidFill>
+          <a:ln>
+            <a:solidFill>
+              <a:schemeClr val="tx1"/>
+            </a:solidFill>
+          </a:ln>
+        </p:spPr>
+        <p:style>
+          <a:lnRef idx="2">
+            <a:schemeClr val="accent1">
+              <a:shade val="50000"/>
+            </a:schemeClr>
+          </a:lnRef>
+          <a:fillRef idx="1">
+            <a:schemeClr val="accent1"/>
+          </a:fillRef>
+          <a:effectRef idx="0">
+            <a:schemeClr val="accent1"/>
+          </a:effectRef>
+          <a:fontRef idx="minor">
+            <a:schemeClr val="lt1"/>
+          </a:fontRef>
+        </p:style>
+        <p:txBody>
+          <a:bodyPr rtlCol="0" anchor="ctr"/>
+          <a:lstStyle/>
+          <a:p>
+            <a:pPr algn="ctr"/>
+            <a:r>
+              <a:rPr lang="en-US" altLang="ko-KR" sz="1400" dirty="0">
+                <a:solidFill>
+                  <a:schemeClr val="tx1"/>
+                </a:solidFill>
+              </a:rPr>
+              <a:t>Display</a:t>
+            </a:r>
+            <a:endParaRPr lang="ko-KR" altLang="en-US" sz="1400" dirty="0">
+              <a:solidFill>
+                <a:schemeClr val="tx1"/>
+              </a:solidFill>
+            </a:endParaRPr>
+          </a:p>
+        </p:txBody>
+      </p:sp>
+      <p:cxnSp>
+        <p:nvCxnSpPr>
+          <p:cNvPr id="104" name="직선 화살표 연결선 103">
+            <a:extLst>
+              <a:ext uri="{FF2B5EF4-FFF2-40B4-BE49-F238E27FC236}">
+                <a16:creationId xmlns:a16="http://schemas.microsoft.com/office/drawing/2014/main" id="{70BDF8F2-F0D5-B424-EF3A-E33A14AD1C80}"/>
+              </a:ext>
+            </a:extLst>
+          </p:cNvPr>
+          <p:cNvCxnSpPr>
+            <a:cxnSpLocks/>
+          </p:cNvCxnSpPr>
+          <p:nvPr/>
+        </p:nvCxnSpPr>
+        <p:spPr>
+          <a:xfrm flipH="1">
+            <a:off x="3441562" y="6158651"/>
+            <a:ext cx="2427433" cy="0"/>
+          </a:xfrm>
+          <a:prstGeom prst="straightConnector1">
+            <a:avLst/>
+          </a:prstGeom>
+          <a:ln>
+            <a:tailEnd type="triangle"/>
+          </a:ln>
+        </p:spPr>
+        <p:style>
+          <a:lnRef idx="1">
+            <a:schemeClr val="dk1"/>
+          </a:lnRef>
+          <a:fillRef idx="0">
+            <a:schemeClr val="dk1"/>
+          </a:fillRef>
+          <a:effectRef idx="0">
+            <a:schemeClr val="dk1"/>
+          </a:effectRef>
+          <a:fontRef idx="minor">
+            <a:schemeClr val="tx1"/>
+          </a:fontRef>
+        </p:style>
+      </p:cxnSp>
+      <p:sp>
+        <p:nvSpPr>
+          <p:cNvPr id="18" name="직사각형 17">
+            <a:extLst>
+              <a:ext uri="{FF2B5EF4-FFF2-40B4-BE49-F238E27FC236}">
+                <a16:creationId xmlns:a16="http://schemas.microsoft.com/office/drawing/2014/main" id="{BFBB1AEE-0355-CE6F-FF45-30883FE3C495}"/>
+              </a:ext>
+            </a:extLst>
+          </p:cNvPr>
+          <p:cNvSpPr/>
+          <p:nvPr/>
+        </p:nvSpPr>
+        <p:spPr>
+          <a:xfrm>
+            <a:off x="5889315" y="792176"/>
+            <a:ext cx="1703830" cy="368772"/>
+          </a:xfrm>
+          <a:prstGeom prst="rect">
+            <a:avLst/>
+          </a:prstGeom>
+          <a:solidFill>
+            <a:schemeClr val="bg1">
+              <a:lumMod val="95000"/>
+            </a:schemeClr>
+          </a:solidFill>
+          <a:ln>
+            <a:solidFill>
+              <a:schemeClr val="tx1"/>
+            </a:solidFill>
+          </a:ln>
+        </p:spPr>
+        <p:style>
+          <a:lnRef idx="2">
+            <a:schemeClr val="accent1">
+              <a:shade val="50000"/>
+            </a:schemeClr>
+          </a:lnRef>
+          <a:fillRef idx="1">
+            <a:schemeClr val="accent1"/>
+          </a:fillRef>
+          <a:effectRef idx="0">
+            <a:schemeClr val="accent1"/>
+          </a:effectRef>
+          <a:fontRef idx="minor">
+            <a:schemeClr val="lt1"/>
+          </a:fontRef>
+        </p:style>
+        <p:txBody>
+          <a:bodyPr rtlCol="0" anchor="ctr"/>
+          <a:lstStyle/>
+          <a:p>
+            <a:pPr algn="ctr"/>
+            <a:r>
+              <a:rPr lang="ko-KR" altLang="en-US" sz="1400" dirty="0">
+                <a:solidFill>
+                  <a:schemeClr val="tx1"/>
+                </a:solidFill>
+              </a:rPr>
+              <a:t>서버 실행</a:t>
+            </a:r>
+          </a:p>
+        </p:txBody>
+      </p:sp>
+      <p:cxnSp>
+        <p:nvCxnSpPr>
+          <p:cNvPr id="19" name="직선 화살표 연결선 18">
+            <a:extLst>
+              <a:ext uri="{FF2B5EF4-FFF2-40B4-BE49-F238E27FC236}">
+                <a16:creationId xmlns:a16="http://schemas.microsoft.com/office/drawing/2014/main" id="{BCE1E194-15C6-2A98-242F-C792E31E5C4E}"/>
+              </a:ext>
+            </a:extLst>
+          </p:cNvPr>
+          <p:cNvCxnSpPr>
+            <a:cxnSpLocks/>
+            <a:endCxn id="32" idx="0"/>
+          </p:cNvCxnSpPr>
+          <p:nvPr/>
+        </p:nvCxnSpPr>
+        <p:spPr>
+          <a:xfrm>
+            <a:off x="6757693" y="1183470"/>
+            <a:ext cx="0" cy="313706"/>
+          </a:xfrm>
+          <a:prstGeom prst="straightConnector1">
+            <a:avLst/>
+          </a:prstGeom>
+          <a:ln>
+            <a:tailEnd type="triangle"/>
+          </a:ln>
+        </p:spPr>
+        <p:style>
+          <a:lnRef idx="1">
+            <a:schemeClr val="dk1"/>
+          </a:lnRef>
+          <a:fillRef idx="0">
+            <a:schemeClr val="dk1"/>
+          </a:fillRef>
+          <a:effectRef idx="0">
+            <a:schemeClr val="dk1"/>
+          </a:effectRef>
+          <a:fontRef idx="minor">
+            <a:schemeClr val="tx1"/>
+          </a:fontRef>
+        </p:style>
+      </p:cxnSp>
+      <p:sp>
+        <p:nvSpPr>
+          <p:cNvPr id="39" name="TextBox 38">
+            <a:extLst>
+              <a:ext uri="{FF2B5EF4-FFF2-40B4-BE49-F238E27FC236}">
+                <a16:creationId xmlns:a16="http://schemas.microsoft.com/office/drawing/2014/main" id="{173299F3-4BDA-DCA5-6D89-4AD35233DE32}"/>
+              </a:ext>
+            </a:extLst>
+          </p:cNvPr>
+          <p:cNvSpPr txBox="1"/>
+          <p:nvPr/>
+        </p:nvSpPr>
+        <p:spPr>
+          <a:xfrm>
+            <a:off x="1655030" y="2946502"/>
+            <a:ext cx="6096000" cy="430887"/>
+          </a:xfrm>
+          <a:prstGeom prst="rect">
+            <a:avLst/>
+          </a:prstGeom>
+          <a:noFill/>
+        </p:spPr>
+        <p:txBody>
+          <a:bodyPr wrap="square">
+            <a:spAutoFit/>
+          </a:bodyPr>
+          <a:lstStyle/>
+          <a:p>
+            <a:pPr algn="ctr"/>
+            <a:r>
+              <a:rPr lang="en-US" altLang="ko-KR" sz="1100" dirty="0">
+                <a:solidFill>
+                  <a:schemeClr val="tx1"/>
+                </a:solidFill>
+              </a:rPr>
+              <a:t>Ga</a:t>
+            </a:r>
+            <a:r>
+              <a:rPr lang="en-US" altLang="ko-KR" sz="1100" dirty="0"/>
+              <a:t>me state</a:t>
+            </a:r>
+            <a:r>
+              <a:rPr lang="ko-KR" altLang="en-US" sz="1100" dirty="0"/>
+              <a:t> </a:t>
+            </a:r>
+            <a:endParaRPr lang="en-US" altLang="ko-KR" sz="1100" dirty="0"/>
+          </a:p>
+          <a:p>
+            <a:pPr algn="ctr"/>
+            <a:r>
+              <a:rPr lang="ko-KR" altLang="en-US" sz="1100" dirty="0"/>
+              <a:t>상태 변경</a:t>
+            </a:r>
+            <a:endParaRPr lang="ko-KR" altLang="en-US" sz="1100" dirty="0">
+              <a:solidFill>
+                <a:schemeClr val="tx1"/>
+              </a:solidFill>
+            </a:endParaRPr>
+          </a:p>
+        </p:txBody>
+      </p:sp>
+    </p:spTree>
+    <p:extLst>
+      <p:ext uri="{BB962C8B-B14F-4D97-AF65-F5344CB8AC3E}">
+        <p14:creationId xmlns:p14="http://schemas.microsoft.com/office/powerpoint/2010/main" val="2280866937"/>
+      </p:ext>
+    </p:extLst>
+  </p:cSld>
+  <p:clrMapOvr>
+    <a:masterClrMapping/>
+  </p:clrMapOvr>
+</p:sld>
+</file>
+
+<file path=ppt/slides/slide6.xml><?xml version="1.0" encoding="utf-8"?>
+<p:sld xmlns:a="http://schemas.openxmlformats.org/drawingml/2006/main" xmlns:r="http://schemas.openxmlformats.org/officeDocument/2006/relationships" xmlns:p="http://schemas.openxmlformats.org/presentationml/2006/main">
+  <p:cSld>
+    <p:spTree>
+      <p:nvGrpSpPr>
+        <p:cNvPr id="1" name=""/>
+        <p:cNvGrpSpPr/>
+        <p:nvPr/>
+      </p:nvGrpSpPr>
+      <p:grpSpPr>
+        <a:xfrm>
+          <a:off x="0" y="0"/>
+          <a:ext cx="0" cy="0"/>
+          <a:chOff x="0" y="0"/>
+          <a:chExt cx="0" cy="0"/>
+        </a:xfrm>
+      </p:grpSpPr>
+      <p:sp>
+        <p:nvSpPr>
+          <p:cNvPr id="4" name="사각형: 둥근 모서리 3">
+            <a:extLst>
+              <a:ext uri="{FF2B5EF4-FFF2-40B4-BE49-F238E27FC236}">
                 <a16:creationId xmlns:a16="http://schemas.microsoft.com/office/drawing/2014/main" id="{A7147D55-3C60-2CC3-F6C0-6991926AFCB6}"/>
               </a:ext>
             </a:extLst>
@@ -9740,7 +12228,7 @@
 </p:sld>
 </file>
 
-<file path=ppt/slides/slide6.xml><?xml version="1.0" encoding="utf-8"?>
+<file path=ppt/slides/slide7.xml><?xml version="1.0" encoding="utf-8"?>
 <p:sld xmlns:a="http://schemas.openxmlformats.org/drawingml/2006/main" xmlns:r="http://schemas.openxmlformats.org/officeDocument/2006/relationships" xmlns:p="http://schemas.openxmlformats.org/presentationml/2006/main">
   <p:cSld>
     <p:spTree>
